--- a/presentation/Auction Block.pptx
+++ b/presentation/Auction Block.pptx
@@ -2559,7 +2559,7 @@
           </a:pPr>
           <a:r>
             <a:rPr lang="en-US" sz="1600" cap="none" baseline="0" dirty="0">
-              <a:latin typeface="Times New Roman" panose="02020603050405020304" pitchFamily="18" charset="0"/>
+              <a:latin typeface="Arial Nova" panose="020B0504020202020204" pitchFamily="34" charset="0"/>
               <a:cs typeface="Times New Roman" panose="02020603050405020304" pitchFamily="18" charset="0"/>
             </a:rPr>
             <a:t>Users create and bid on auctions through a Facebook chat bot interface</a:t>
@@ -2604,21 +2604,21 @@
           </a:pPr>
           <a:r>
             <a:rPr lang="en-US" sz="1600" cap="none" baseline="0" dirty="0">
-              <a:latin typeface="Times New Roman" panose="02020603050405020304" pitchFamily="18" charset="0"/>
+              <a:latin typeface="Arial Nova" panose="020B0504020202020204" pitchFamily="34" charset="0"/>
               <a:cs typeface="Times New Roman" panose="02020603050405020304" pitchFamily="18" charset="0"/>
             </a:rPr>
             <a:t>All auctions are Ethereum smart contracts which interact with the chatbot through a </a:t>
           </a:r>
           <a:r>
             <a:rPr lang="en-US" sz="1600" cap="none" baseline="0" dirty="0" err="1">
-              <a:latin typeface="Times New Roman" panose="02020603050405020304" pitchFamily="18" charset="0"/>
+              <a:latin typeface="Arial Nova" panose="020B0504020202020204" pitchFamily="34" charset="0"/>
               <a:cs typeface="Times New Roman" panose="02020603050405020304" pitchFamily="18" charset="0"/>
             </a:rPr>
             <a:t>Javascript</a:t>
           </a:r>
           <a:r>
             <a:rPr lang="en-US" sz="1600" cap="none" baseline="0" dirty="0">
-              <a:latin typeface="Times New Roman" panose="02020603050405020304" pitchFamily="18" charset="0"/>
+              <a:latin typeface="Arial Nova" panose="020B0504020202020204" pitchFamily="34" charset="0"/>
               <a:cs typeface="Times New Roman" panose="02020603050405020304" pitchFamily="18" charset="0"/>
             </a:rPr>
             <a:t> backend</a:t>
@@ -2663,7 +2663,7 @@
           </a:pPr>
           <a:r>
             <a:rPr lang="en-US" sz="1600" cap="none" baseline="0" dirty="0">
-              <a:latin typeface="Times New Roman" panose="02020603050405020304" pitchFamily="18" charset="0"/>
+              <a:latin typeface="Arial Nova" panose="020B0504020202020204" pitchFamily="34" charset="0"/>
               <a:cs typeface="Times New Roman" panose="02020603050405020304" pitchFamily="18" charset="0"/>
             </a:rPr>
             <a:t>Auction winners receive an NFT that contains the auctioned NFT or auctioned item proof of ownership</a:t>
@@ -2916,7 +2916,9 @@
         <a:lstStyle/>
         <a:p>
           <a:r>
-            <a:rPr lang="en-US" dirty="0"/>
+            <a:rPr lang="en-US" dirty="0">
+              <a:latin typeface="Arial Nova" panose="020B0504020202020204" pitchFamily="34" charset="0"/>
+            </a:rPr>
             <a:t>Auction Contract Creation</a:t>
           </a:r>
         </a:p>
@@ -2929,7 +2931,9 @@
         <a:bodyPr/>
         <a:lstStyle/>
         <a:p>
-          <a:endParaRPr lang="en-US"/>
+          <a:endParaRPr lang="en-US">
+            <a:latin typeface="Arial Nova" panose="020B0504020202020204" pitchFamily="34" charset="0"/>
+          </a:endParaRPr>
         </a:p>
       </dgm:t>
     </dgm:pt>
@@ -2940,7 +2944,9 @@
         <a:bodyPr/>
         <a:lstStyle/>
         <a:p>
-          <a:endParaRPr lang="en-US"/>
+          <a:endParaRPr lang="en-US">
+            <a:latin typeface="Arial Nova" panose="020B0504020202020204" pitchFamily="34" charset="0"/>
+          </a:endParaRPr>
         </a:p>
       </dgm:t>
     </dgm:pt>
@@ -2952,10 +2958,14 @@
         <a:lstStyle/>
         <a:p>
           <a:r>
-            <a:rPr lang="en-US" sz="1800"/>
+            <a:rPr lang="en-US" sz="1800">
+              <a:latin typeface="Arial Nova" panose="020B0504020202020204" pitchFamily="34" charset="0"/>
+            </a:rPr>
             <a:t>Mint an NFT to be auctioned off.</a:t>
           </a:r>
-          <a:endParaRPr lang="en-US" sz="1800" dirty="0"/>
+          <a:endParaRPr lang="en-US" sz="1800" dirty="0">
+            <a:latin typeface="Arial Nova" panose="020B0504020202020204" pitchFamily="34" charset="0"/>
+          </a:endParaRPr>
         </a:p>
       </dgm:t>
     </dgm:pt>
@@ -2966,7 +2976,9 @@
         <a:bodyPr/>
         <a:lstStyle/>
         <a:p>
-          <a:endParaRPr lang="en-US"/>
+          <a:endParaRPr lang="en-US">
+            <a:latin typeface="Arial Nova" panose="020B0504020202020204" pitchFamily="34" charset="0"/>
+          </a:endParaRPr>
         </a:p>
       </dgm:t>
     </dgm:pt>
@@ -2977,7 +2989,9 @@
         <a:bodyPr/>
         <a:lstStyle/>
         <a:p>
-          <a:endParaRPr lang="en-US"/>
+          <a:endParaRPr lang="en-US">
+            <a:latin typeface="Arial Nova" panose="020B0504020202020204" pitchFamily="34" charset="0"/>
+          </a:endParaRPr>
         </a:p>
       </dgm:t>
     </dgm:pt>
@@ -2989,10 +3003,14 @@
         <a:lstStyle/>
         <a:p>
           <a:r>
-            <a:rPr lang="en-US" sz="1800"/>
+            <a:rPr lang="en-US" sz="1800">
+              <a:latin typeface="Arial Nova" panose="020B0504020202020204" pitchFamily="34" charset="0"/>
+            </a:rPr>
             <a:t>Set the auction start time</a:t>
           </a:r>
-          <a:endParaRPr lang="en-US" sz="1800" dirty="0"/>
+          <a:endParaRPr lang="en-US" sz="1800" dirty="0">
+            <a:latin typeface="Arial Nova" panose="020B0504020202020204" pitchFamily="34" charset="0"/>
+          </a:endParaRPr>
         </a:p>
       </dgm:t>
     </dgm:pt>
@@ -3003,7 +3021,9 @@
         <a:bodyPr/>
         <a:lstStyle/>
         <a:p>
-          <a:endParaRPr lang="en-US"/>
+          <a:endParaRPr lang="en-US">
+            <a:latin typeface="Arial Nova" panose="020B0504020202020204" pitchFamily="34" charset="0"/>
+          </a:endParaRPr>
         </a:p>
       </dgm:t>
     </dgm:pt>
@@ -3014,7 +3034,9 @@
         <a:bodyPr/>
         <a:lstStyle/>
         <a:p>
-          <a:endParaRPr lang="en-US"/>
+          <a:endParaRPr lang="en-US">
+            <a:latin typeface="Arial Nova" panose="020B0504020202020204" pitchFamily="34" charset="0"/>
+          </a:endParaRPr>
         </a:p>
       </dgm:t>
     </dgm:pt>
@@ -3026,7 +3048,9 @@
         <a:lstStyle/>
         <a:p>
           <a:r>
-            <a:rPr lang="en-US" dirty="0"/>
+            <a:rPr lang="en-US" dirty="0">
+              <a:latin typeface="Arial Nova" panose="020B0504020202020204" pitchFamily="34" charset="0"/>
+            </a:rPr>
             <a:t>Participate in the Auction</a:t>
           </a:r>
         </a:p>
@@ -3039,7 +3063,9 @@
         <a:bodyPr/>
         <a:lstStyle/>
         <a:p>
-          <a:endParaRPr lang="en-US"/>
+          <a:endParaRPr lang="en-US">
+            <a:latin typeface="Arial Nova" panose="020B0504020202020204" pitchFamily="34" charset="0"/>
+          </a:endParaRPr>
         </a:p>
       </dgm:t>
     </dgm:pt>
@@ -3050,7 +3076,9 @@
         <a:bodyPr/>
         <a:lstStyle/>
         <a:p>
-          <a:endParaRPr lang="en-US"/>
+          <a:endParaRPr lang="en-US">
+            <a:latin typeface="Arial Nova" panose="020B0504020202020204" pitchFamily="34" charset="0"/>
+          </a:endParaRPr>
         </a:p>
       </dgm:t>
     </dgm:pt>
@@ -3062,7 +3090,9 @@
         <a:lstStyle/>
         <a:p>
           <a:r>
-            <a:rPr lang="en-US" dirty="0"/>
+            <a:rPr lang="en-US" dirty="0">
+              <a:latin typeface="Arial Nova" panose="020B0504020202020204" pitchFamily="34" charset="0"/>
+            </a:rPr>
             <a:t>Through the chat bot, auction bidders will be able to see the current highest bid.</a:t>
           </a:r>
         </a:p>
@@ -3075,7 +3105,9 @@
         <a:bodyPr/>
         <a:lstStyle/>
         <a:p>
-          <a:endParaRPr lang="en-US"/>
+          <a:endParaRPr lang="en-US">
+            <a:latin typeface="Arial Nova" panose="020B0504020202020204" pitchFamily="34" charset="0"/>
+          </a:endParaRPr>
         </a:p>
       </dgm:t>
     </dgm:pt>
@@ -3086,7 +3118,9 @@
         <a:bodyPr/>
         <a:lstStyle/>
         <a:p>
-          <a:endParaRPr lang="en-US"/>
+          <a:endParaRPr lang="en-US">
+            <a:latin typeface="Arial Nova" panose="020B0504020202020204" pitchFamily="34" charset="0"/>
+          </a:endParaRPr>
         </a:p>
       </dgm:t>
     </dgm:pt>
@@ -3098,7 +3132,9 @@
         <a:lstStyle/>
         <a:p>
           <a:r>
-            <a:rPr lang="en-US" dirty="0"/>
+            <a:rPr lang="en-US" dirty="0">
+              <a:latin typeface="Arial Nova" panose="020B0504020202020204" pitchFamily="34" charset="0"/>
+            </a:rPr>
             <a:t>Winning an Auction</a:t>
           </a:r>
         </a:p>
@@ -3111,7 +3147,9 @@
         <a:bodyPr/>
         <a:lstStyle/>
         <a:p>
-          <a:endParaRPr lang="en-US"/>
+          <a:endParaRPr lang="en-US">
+            <a:latin typeface="Arial Nova" panose="020B0504020202020204" pitchFamily="34" charset="0"/>
+          </a:endParaRPr>
         </a:p>
       </dgm:t>
     </dgm:pt>
@@ -3122,7 +3160,9 @@
         <a:bodyPr/>
         <a:lstStyle/>
         <a:p>
-          <a:endParaRPr lang="en-US"/>
+          <a:endParaRPr lang="en-US">
+            <a:latin typeface="Arial Nova" panose="020B0504020202020204" pitchFamily="34" charset="0"/>
+          </a:endParaRPr>
         </a:p>
       </dgm:t>
     </dgm:pt>
@@ -3134,7 +3174,9 @@
         <a:lstStyle/>
         <a:p>
           <a:r>
-            <a:rPr lang="en-US" dirty="0"/>
+            <a:rPr lang="en-US" dirty="0">
+              <a:latin typeface="Arial Nova" panose="020B0504020202020204" pitchFamily="34" charset="0"/>
+            </a:rPr>
             <a:t>The winning bidder will receive the auctioned NFT along with the auction contract’s information.</a:t>
           </a:r>
         </a:p>
@@ -3147,7 +3189,9 @@
         <a:bodyPr/>
         <a:lstStyle/>
         <a:p>
-          <a:endParaRPr lang="en-US"/>
+          <a:endParaRPr lang="en-US">
+            <a:latin typeface="Arial Nova" panose="020B0504020202020204" pitchFamily="34" charset="0"/>
+          </a:endParaRPr>
         </a:p>
       </dgm:t>
     </dgm:pt>
@@ -3158,7 +3202,9 @@
         <a:bodyPr/>
         <a:lstStyle/>
         <a:p>
-          <a:endParaRPr lang="en-US"/>
+          <a:endParaRPr lang="en-US">
+            <a:latin typeface="Arial Nova" panose="020B0504020202020204" pitchFamily="34" charset="0"/>
+          </a:endParaRPr>
         </a:p>
       </dgm:t>
     </dgm:pt>
@@ -3174,10 +3220,14 @@
             <a:buChar char="Ø"/>
           </a:pPr>
           <a:r>
-            <a:rPr lang="en-US" sz="1400" b="0"/>
+            <a:rPr lang="en-US" sz="1400" b="0">
+              <a:latin typeface="Arial Nova" panose="020B0504020202020204" pitchFamily="34" charset="0"/>
+            </a:rPr>
             <a:t>Can contain an NFT itself, or some other proof of ownership for a physical item.</a:t>
           </a:r>
-          <a:endParaRPr lang="en-US" sz="1400" b="0" dirty="0"/>
+          <a:endParaRPr lang="en-US" sz="1400" b="0" dirty="0">
+            <a:latin typeface="Arial Nova" panose="020B0504020202020204" pitchFamily="34" charset="0"/>
+          </a:endParaRPr>
         </a:p>
       </dgm:t>
     </dgm:pt>
@@ -3188,7 +3238,9 @@
         <a:bodyPr/>
         <a:lstStyle/>
         <a:p>
-          <a:endParaRPr lang="en-US"/>
+          <a:endParaRPr lang="en-US">
+            <a:latin typeface="Arial Nova" panose="020B0504020202020204" pitchFamily="34" charset="0"/>
+          </a:endParaRPr>
         </a:p>
       </dgm:t>
     </dgm:pt>
@@ -3199,7 +3251,9 @@
         <a:bodyPr/>
         <a:lstStyle/>
         <a:p>
-          <a:endParaRPr lang="en-US"/>
+          <a:endParaRPr lang="en-US">
+            <a:latin typeface="Arial Nova" panose="020B0504020202020204" pitchFamily="34" charset="0"/>
+          </a:endParaRPr>
         </a:p>
       </dgm:t>
     </dgm:pt>
@@ -3211,10 +3265,14 @@
         <a:lstStyle/>
         <a:p>
           <a:r>
-            <a:rPr lang="en-US" sz="1800"/>
+            <a:rPr lang="en-US" sz="1800">
+              <a:latin typeface="Arial Nova" panose="020B0504020202020204" pitchFamily="34" charset="0"/>
+            </a:rPr>
             <a:t>Set the auction duration (default is 6 hours).</a:t>
           </a:r>
-          <a:endParaRPr lang="en-US" sz="1800" dirty="0"/>
+          <a:endParaRPr lang="en-US" sz="1800" dirty="0">
+            <a:latin typeface="Arial Nova" panose="020B0504020202020204" pitchFamily="34" charset="0"/>
+          </a:endParaRPr>
         </a:p>
       </dgm:t>
     </dgm:pt>
@@ -3225,7 +3283,9 @@
         <a:bodyPr/>
         <a:lstStyle/>
         <a:p>
-          <a:endParaRPr lang="en-US"/>
+          <a:endParaRPr lang="en-US">
+            <a:latin typeface="Arial Nova" panose="020B0504020202020204" pitchFamily="34" charset="0"/>
+          </a:endParaRPr>
         </a:p>
       </dgm:t>
     </dgm:pt>
@@ -3236,7 +3296,9 @@
         <a:bodyPr/>
         <a:lstStyle/>
         <a:p>
-          <a:endParaRPr lang="en-US"/>
+          <a:endParaRPr lang="en-US">
+            <a:latin typeface="Arial Nova" panose="020B0504020202020204" pitchFamily="34" charset="0"/>
+          </a:endParaRPr>
         </a:p>
       </dgm:t>
     </dgm:pt>
@@ -3248,10 +3310,14 @@
         <a:lstStyle/>
         <a:p>
           <a:r>
-            <a:rPr lang="en-US" sz="1800"/>
+            <a:rPr lang="en-US" sz="1800">
+              <a:latin typeface="Arial Nova" panose="020B0504020202020204" pitchFamily="34" charset="0"/>
+            </a:rPr>
             <a:t>Set the auction starting bid.</a:t>
           </a:r>
-          <a:endParaRPr lang="en-US" sz="1800" dirty="0"/>
+          <a:endParaRPr lang="en-US" sz="1800" dirty="0">
+            <a:latin typeface="Arial Nova" panose="020B0504020202020204" pitchFamily="34" charset="0"/>
+          </a:endParaRPr>
         </a:p>
       </dgm:t>
     </dgm:pt>
@@ -3262,7 +3328,9 @@
         <a:bodyPr/>
         <a:lstStyle/>
         <a:p>
-          <a:endParaRPr lang="en-US"/>
+          <a:endParaRPr lang="en-US">
+            <a:latin typeface="Arial Nova" panose="020B0504020202020204" pitchFamily="34" charset="0"/>
+          </a:endParaRPr>
         </a:p>
       </dgm:t>
     </dgm:pt>
@@ -3273,7 +3341,9 @@
         <a:bodyPr/>
         <a:lstStyle/>
         <a:p>
-          <a:endParaRPr lang="en-US"/>
+          <a:endParaRPr lang="en-US">
+            <a:latin typeface="Arial Nova" panose="020B0504020202020204" pitchFamily="34" charset="0"/>
+          </a:endParaRPr>
         </a:p>
       </dgm:t>
     </dgm:pt>
@@ -3288,7 +3358,9 @@
             <a:buFont typeface="Wingdings" panose="05000000000000000000" pitchFamily="2" charset="2"/>
             <a:buChar char="Ø"/>
           </a:pPr>
-          <a:endParaRPr lang="en-US" sz="1400" b="1" dirty="0"/>
+          <a:endParaRPr lang="en-US" sz="1400" b="1" dirty="0">
+            <a:latin typeface="Arial Nova" panose="020B0504020202020204" pitchFamily="34" charset="0"/>
+          </a:endParaRPr>
         </a:p>
       </dgm:t>
     </dgm:pt>
@@ -3299,7 +3371,9 @@
         <a:bodyPr/>
         <a:lstStyle/>
         <a:p>
-          <a:endParaRPr lang="en-US"/>
+          <a:endParaRPr lang="en-US">
+            <a:latin typeface="Arial Nova" panose="020B0504020202020204" pitchFamily="34" charset="0"/>
+          </a:endParaRPr>
         </a:p>
       </dgm:t>
     </dgm:pt>
@@ -3310,7 +3384,9 @@
         <a:bodyPr/>
         <a:lstStyle/>
         <a:p>
-          <a:endParaRPr lang="en-US"/>
+          <a:endParaRPr lang="en-US">
+            <a:latin typeface="Arial Nova" panose="020B0504020202020204" pitchFamily="34" charset="0"/>
+          </a:endParaRPr>
         </a:p>
       </dgm:t>
     </dgm:pt>
@@ -3321,7 +3397,9 @@
         <a:bodyPr/>
         <a:lstStyle/>
         <a:p>
-          <a:endParaRPr lang="en-US" sz="1800" dirty="0"/>
+          <a:endParaRPr lang="en-US" sz="1800" dirty="0">
+            <a:latin typeface="Arial Nova" panose="020B0504020202020204" pitchFamily="34" charset="0"/>
+          </a:endParaRPr>
         </a:p>
       </dgm:t>
     </dgm:pt>
@@ -3332,7 +3410,9 @@
         <a:bodyPr/>
         <a:lstStyle/>
         <a:p>
-          <a:endParaRPr lang="en-US"/>
+          <a:endParaRPr lang="en-US">
+            <a:latin typeface="Arial Nova" panose="020B0504020202020204" pitchFamily="34" charset="0"/>
+          </a:endParaRPr>
         </a:p>
       </dgm:t>
     </dgm:pt>
@@ -3343,7 +3423,9 @@
         <a:bodyPr/>
         <a:lstStyle/>
         <a:p>
-          <a:endParaRPr lang="en-US"/>
+          <a:endParaRPr lang="en-US">
+            <a:latin typeface="Arial Nova" panose="020B0504020202020204" pitchFamily="34" charset="0"/>
+          </a:endParaRPr>
         </a:p>
       </dgm:t>
     </dgm:pt>
@@ -3354,7 +3436,9 @@
         <a:bodyPr/>
         <a:lstStyle/>
         <a:p>
-          <a:endParaRPr lang="en-US" sz="1800" dirty="0"/>
+          <a:endParaRPr lang="en-US" sz="1800" dirty="0">
+            <a:latin typeface="Arial Nova" panose="020B0504020202020204" pitchFamily="34" charset="0"/>
+          </a:endParaRPr>
         </a:p>
       </dgm:t>
     </dgm:pt>
@@ -3365,7 +3449,9 @@
         <a:bodyPr/>
         <a:lstStyle/>
         <a:p>
-          <a:endParaRPr lang="en-US"/>
+          <a:endParaRPr lang="en-US">
+            <a:latin typeface="Arial Nova" panose="020B0504020202020204" pitchFamily="34" charset="0"/>
+          </a:endParaRPr>
         </a:p>
       </dgm:t>
     </dgm:pt>
@@ -3376,7 +3462,9 @@
         <a:bodyPr/>
         <a:lstStyle/>
         <a:p>
-          <a:endParaRPr lang="en-US"/>
+          <a:endParaRPr lang="en-US">
+            <a:latin typeface="Arial Nova" panose="020B0504020202020204" pitchFamily="34" charset="0"/>
+          </a:endParaRPr>
         </a:p>
       </dgm:t>
     </dgm:pt>
@@ -3388,7 +3476,9 @@
         <a:lstStyle/>
         <a:p>
           <a:r>
-            <a:rPr lang="en-US" dirty="0"/>
+            <a:rPr lang="en-US" dirty="0">
+              <a:latin typeface="Arial Nova" panose="020B0504020202020204" pitchFamily="34" charset="0"/>
+            </a:rPr>
             <a:t>If they wish to place a bid, their bid must be higher than the current highest bid.</a:t>
           </a:r>
         </a:p>
@@ -3401,7 +3491,9 @@
         <a:bodyPr/>
         <a:lstStyle/>
         <a:p>
-          <a:endParaRPr lang="en-US"/>
+          <a:endParaRPr lang="en-US">
+            <a:latin typeface="Arial Nova" panose="020B0504020202020204" pitchFamily="34" charset="0"/>
+          </a:endParaRPr>
         </a:p>
       </dgm:t>
     </dgm:pt>
@@ -3412,7 +3504,9 @@
         <a:bodyPr/>
         <a:lstStyle/>
         <a:p>
-          <a:endParaRPr lang="en-US"/>
+          <a:endParaRPr lang="en-US">
+            <a:latin typeface="Arial Nova" panose="020B0504020202020204" pitchFamily="34" charset="0"/>
+          </a:endParaRPr>
         </a:p>
       </dgm:t>
     </dgm:pt>
@@ -3423,7 +3517,9 @@
         <a:bodyPr/>
         <a:lstStyle/>
         <a:p>
-          <a:endParaRPr lang="en-US" dirty="0"/>
+          <a:endParaRPr lang="en-US" dirty="0">
+            <a:latin typeface="Arial Nova" panose="020B0504020202020204" pitchFamily="34" charset="0"/>
+          </a:endParaRPr>
         </a:p>
       </dgm:t>
     </dgm:pt>
@@ -3434,7 +3530,9 @@
         <a:bodyPr/>
         <a:lstStyle/>
         <a:p>
-          <a:endParaRPr lang="en-US"/>
+          <a:endParaRPr lang="en-US">
+            <a:latin typeface="Arial Nova" panose="020B0504020202020204" pitchFamily="34" charset="0"/>
+          </a:endParaRPr>
         </a:p>
       </dgm:t>
     </dgm:pt>
@@ -3445,7 +3543,9 @@
         <a:bodyPr/>
         <a:lstStyle/>
         <a:p>
-          <a:endParaRPr lang="en-US"/>
+          <a:endParaRPr lang="en-US">
+            <a:latin typeface="Arial Nova" panose="020B0504020202020204" pitchFamily="34" charset="0"/>
+          </a:endParaRPr>
         </a:p>
       </dgm:t>
     </dgm:pt>
@@ -3457,7 +3557,9 @@
         <a:lstStyle/>
         <a:p>
           <a:r>
-            <a:rPr lang="en-US" dirty="0"/>
+            <a:rPr lang="en-US" dirty="0">
+              <a:latin typeface="Arial Nova" panose="020B0504020202020204" pitchFamily="34" charset="0"/>
+            </a:rPr>
             <a:t>The auction contract will keep track of the highest bid and the auction time so that there is one winner at the end of the auction.</a:t>
           </a:r>
         </a:p>
@@ -3470,7 +3572,9 @@
         <a:bodyPr/>
         <a:lstStyle/>
         <a:p>
-          <a:endParaRPr lang="en-US"/>
+          <a:endParaRPr lang="en-US">
+            <a:latin typeface="Arial Nova" panose="020B0504020202020204" pitchFamily="34" charset="0"/>
+          </a:endParaRPr>
         </a:p>
       </dgm:t>
     </dgm:pt>
@@ -3481,7 +3585,9 @@
         <a:bodyPr/>
         <a:lstStyle/>
         <a:p>
-          <a:endParaRPr lang="en-US"/>
+          <a:endParaRPr lang="en-US">
+            <a:latin typeface="Arial Nova" panose="020B0504020202020204" pitchFamily="34" charset="0"/>
+          </a:endParaRPr>
         </a:p>
       </dgm:t>
     </dgm:pt>
@@ -3492,7 +3598,9 @@
         <a:bodyPr/>
         <a:lstStyle/>
         <a:p>
-          <a:endParaRPr lang="en-US" dirty="0"/>
+          <a:endParaRPr lang="en-US" dirty="0">
+            <a:latin typeface="Arial Nova" panose="020B0504020202020204" pitchFamily="34" charset="0"/>
+          </a:endParaRPr>
         </a:p>
       </dgm:t>
     </dgm:pt>
@@ -3503,7 +3611,9 @@
         <a:bodyPr/>
         <a:lstStyle/>
         <a:p>
-          <a:endParaRPr lang="en-US"/>
+          <a:endParaRPr lang="en-US">
+            <a:latin typeface="Arial Nova" panose="020B0504020202020204" pitchFamily="34" charset="0"/>
+          </a:endParaRPr>
         </a:p>
       </dgm:t>
     </dgm:pt>
@@ -3514,7 +3624,9 @@
         <a:bodyPr/>
         <a:lstStyle/>
         <a:p>
-          <a:endParaRPr lang="en-US"/>
+          <a:endParaRPr lang="en-US">
+            <a:latin typeface="Arial Nova" panose="020B0504020202020204" pitchFamily="34" charset="0"/>
+          </a:endParaRPr>
         </a:p>
       </dgm:t>
     </dgm:pt>
@@ -3526,7 +3638,9 @@
         <a:lstStyle/>
         <a:p>
           <a:r>
-            <a:rPr lang="en-US" dirty="0"/>
+            <a:rPr lang="en-US" dirty="0">
+              <a:latin typeface="Arial Nova" panose="020B0504020202020204" pitchFamily="34" charset="0"/>
+            </a:rPr>
             <a:t> Anytime a bidder gets out-bid by another user, their funds are automatically returned to them.  This creates no need to return any funds to losers at the end of the auction.</a:t>
           </a:r>
         </a:p>
@@ -3539,7 +3653,9 @@
         <a:bodyPr/>
         <a:lstStyle/>
         <a:p>
-          <a:endParaRPr lang="en-US"/>
+          <a:endParaRPr lang="en-US">
+            <a:latin typeface="Arial Nova" panose="020B0504020202020204" pitchFamily="34" charset="0"/>
+          </a:endParaRPr>
         </a:p>
       </dgm:t>
     </dgm:pt>
@@ -3550,7 +3666,9 @@
         <a:bodyPr/>
         <a:lstStyle/>
         <a:p>
-          <a:endParaRPr lang="en-US"/>
+          <a:endParaRPr lang="en-US">
+            <a:latin typeface="Arial Nova" panose="020B0504020202020204" pitchFamily="34" charset="0"/>
+          </a:endParaRPr>
         </a:p>
       </dgm:t>
     </dgm:pt>
@@ -3561,7 +3679,9 @@
         <a:bodyPr/>
         <a:lstStyle/>
         <a:p>
-          <a:endParaRPr lang="en-US" dirty="0"/>
+          <a:endParaRPr lang="en-US" dirty="0">
+            <a:latin typeface="Arial Nova" panose="020B0504020202020204" pitchFamily="34" charset="0"/>
+          </a:endParaRPr>
         </a:p>
       </dgm:t>
     </dgm:pt>
@@ -3572,7 +3692,9 @@
         <a:bodyPr/>
         <a:lstStyle/>
         <a:p>
-          <a:endParaRPr lang="en-US"/>
+          <a:endParaRPr lang="en-US">
+            <a:latin typeface="Arial Nova" panose="020B0504020202020204" pitchFamily="34" charset="0"/>
+          </a:endParaRPr>
         </a:p>
       </dgm:t>
     </dgm:pt>
@@ -3583,7 +3705,9 @@
         <a:bodyPr/>
         <a:lstStyle/>
         <a:p>
-          <a:endParaRPr lang="en-US"/>
+          <a:endParaRPr lang="en-US">
+            <a:latin typeface="Arial Nova" panose="020B0504020202020204" pitchFamily="34" charset="0"/>
+          </a:endParaRPr>
         </a:p>
       </dgm:t>
     </dgm:pt>
@@ -3595,7 +3719,9 @@
         <a:lstStyle/>
         <a:p>
           <a:r>
-            <a:rPr lang="en-US" dirty="0"/>
+            <a:rPr lang="en-US" dirty="0">
+              <a:latin typeface="Arial Nova" panose="020B0504020202020204" pitchFamily="34" charset="0"/>
+            </a:rPr>
             <a:t>The auction creator will be paid the winning bid amount.</a:t>
           </a:r>
         </a:p>
@@ -3608,7 +3734,9 @@
         <a:bodyPr/>
         <a:lstStyle/>
         <a:p>
-          <a:endParaRPr lang="en-US"/>
+          <a:endParaRPr lang="en-US">
+            <a:latin typeface="Arial Nova" panose="020B0504020202020204" pitchFamily="34" charset="0"/>
+          </a:endParaRPr>
         </a:p>
       </dgm:t>
     </dgm:pt>
@@ -3619,7 +3747,9 @@
         <a:bodyPr/>
         <a:lstStyle/>
         <a:p>
-          <a:endParaRPr lang="en-US"/>
+          <a:endParaRPr lang="en-US">
+            <a:latin typeface="Arial Nova" panose="020B0504020202020204" pitchFamily="34" charset="0"/>
+          </a:endParaRPr>
         </a:p>
       </dgm:t>
     </dgm:pt>
@@ -3630,7 +3760,9 @@
         <a:bodyPr/>
         <a:lstStyle/>
         <a:p>
-          <a:endParaRPr lang="en-US" dirty="0"/>
+          <a:endParaRPr lang="en-US" dirty="0">
+            <a:latin typeface="Arial Nova" panose="020B0504020202020204" pitchFamily="34" charset="0"/>
+          </a:endParaRPr>
         </a:p>
       </dgm:t>
     </dgm:pt>
@@ -3641,7 +3773,9 @@
         <a:bodyPr/>
         <a:lstStyle/>
         <a:p>
-          <a:endParaRPr lang="en-US"/>
+          <a:endParaRPr lang="en-US">
+            <a:latin typeface="Arial Nova" panose="020B0504020202020204" pitchFamily="34" charset="0"/>
+          </a:endParaRPr>
         </a:p>
       </dgm:t>
     </dgm:pt>
@@ -3652,7 +3786,9 @@
         <a:bodyPr/>
         <a:lstStyle/>
         <a:p>
-          <a:endParaRPr lang="en-US"/>
+          <a:endParaRPr lang="en-US">
+            <a:latin typeface="Arial Nova" panose="020B0504020202020204" pitchFamily="34" charset="0"/>
+          </a:endParaRPr>
         </a:p>
       </dgm:t>
     </dgm:pt>
@@ -4026,7 +4162,7 @@
       </dsp:nvSpPr>
       <dsp:spPr>
         <a:xfrm>
-          <a:off x="616949" y="197805"/>
+          <a:off x="616949" y="175426"/>
           <a:ext cx="1818562" cy="1818562"/>
         </a:xfrm>
         <a:prstGeom prst="ellipse">
@@ -4065,7 +4201,7 @@
       </dsp:nvSpPr>
       <dsp:spPr>
         <a:xfrm>
-          <a:off x="1004512" y="585368"/>
+          <a:off x="1004512" y="562989"/>
           <a:ext cx="1043437" cy="1043437"/>
         </a:xfrm>
         <a:prstGeom prst="rect">
@@ -4115,8 +4251,8 @@
       </dsp:nvSpPr>
       <dsp:spPr>
         <a:xfrm>
-          <a:off x="35606" y="2582806"/>
-          <a:ext cx="2981250" cy="945000"/>
+          <a:off x="35606" y="2560426"/>
+          <a:ext cx="2981250" cy="989758"/>
         </a:xfrm>
         <a:prstGeom prst="rect">
           <a:avLst/>
@@ -4160,7 +4296,7 @@
           </a:pPr>
           <a:r>
             <a:rPr lang="en-US" sz="1600" kern="1200" cap="none" baseline="0" dirty="0">
-              <a:latin typeface="Times New Roman" panose="02020603050405020304" pitchFamily="18" charset="0"/>
+              <a:latin typeface="Arial Nova" panose="020B0504020202020204" pitchFamily="34" charset="0"/>
               <a:cs typeface="Times New Roman" panose="02020603050405020304" pitchFamily="18" charset="0"/>
             </a:rPr>
             <a:t>Users create and bid on auctions through a Facebook chat bot interface</a:t>
@@ -4168,8 +4304,8 @@
         </a:p>
       </dsp:txBody>
       <dsp:txXfrm>
-        <a:off x="35606" y="2582806"/>
-        <a:ext cx="2981250" cy="945000"/>
+        <a:off x="35606" y="2560426"/>
+        <a:ext cx="2981250" cy="989758"/>
       </dsp:txXfrm>
     </dsp:sp>
     <dsp:sp modelId="{BCD8CDD9-0C56-4401-ADB1-8B48DAB2C96F}">
@@ -4179,7 +4315,7 @@
       </dsp:nvSpPr>
       <dsp:spPr>
         <a:xfrm>
-          <a:off x="4119918" y="197805"/>
+          <a:off x="4119918" y="175426"/>
           <a:ext cx="1818562" cy="1818562"/>
         </a:xfrm>
         <a:prstGeom prst="ellipse">
@@ -4218,7 +4354,7 @@
       </dsp:nvSpPr>
       <dsp:spPr>
         <a:xfrm>
-          <a:off x="4507481" y="585368"/>
+          <a:off x="4507481" y="562989"/>
           <a:ext cx="1043437" cy="1043437"/>
         </a:xfrm>
         <a:prstGeom prst="rect">
@@ -4265,8 +4401,8 @@
       </dsp:nvSpPr>
       <dsp:spPr>
         <a:xfrm>
-          <a:off x="3538574" y="2582806"/>
-          <a:ext cx="2981250" cy="945000"/>
+          <a:off x="3538574" y="2560426"/>
+          <a:ext cx="2981250" cy="989758"/>
         </a:xfrm>
         <a:prstGeom prst="rect">
           <a:avLst/>
@@ -4310,21 +4446,21 @@
           </a:pPr>
           <a:r>
             <a:rPr lang="en-US" sz="1600" kern="1200" cap="none" baseline="0" dirty="0">
-              <a:latin typeface="Times New Roman" panose="02020603050405020304" pitchFamily="18" charset="0"/>
+              <a:latin typeface="Arial Nova" panose="020B0504020202020204" pitchFamily="34" charset="0"/>
               <a:cs typeface="Times New Roman" panose="02020603050405020304" pitchFamily="18" charset="0"/>
             </a:rPr>
             <a:t>All auctions are Ethereum smart contracts which interact with the chatbot through a </a:t>
           </a:r>
           <a:r>
             <a:rPr lang="en-US" sz="1600" kern="1200" cap="none" baseline="0" dirty="0" err="1">
-              <a:latin typeface="Times New Roman" panose="02020603050405020304" pitchFamily="18" charset="0"/>
+              <a:latin typeface="Arial Nova" panose="020B0504020202020204" pitchFamily="34" charset="0"/>
               <a:cs typeface="Times New Roman" panose="02020603050405020304" pitchFamily="18" charset="0"/>
             </a:rPr>
             <a:t>Javascript</a:t>
           </a:r>
           <a:r>
             <a:rPr lang="en-US" sz="1600" kern="1200" cap="none" baseline="0" dirty="0">
-              <a:latin typeface="Times New Roman" panose="02020603050405020304" pitchFamily="18" charset="0"/>
+              <a:latin typeface="Arial Nova" panose="020B0504020202020204" pitchFamily="34" charset="0"/>
               <a:cs typeface="Times New Roman" panose="02020603050405020304" pitchFamily="18" charset="0"/>
             </a:rPr>
             <a:t> backend</a:t>
@@ -4332,8 +4468,8 @@
         </a:p>
       </dsp:txBody>
       <dsp:txXfrm>
-        <a:off x="3538574" y="2582806"/>
-        <a:ext cx="2981250" cy="945000"/>
+        <a:off x="3538574" y="2560426"/>
+        <a:ext cx="2981250" cy="989758"/>
       </dsp:txXfrm>
     </dsp:sp>
     <dsp:sp modelId="{FF93E135-77D6-48A0-8871-9BC93D705D06}">
@@ -4343,7 +4479,7 @@
       </dsp:nvSpPr>
       <dsp:spPr>
         <a:xfrm>
-          <a:off x="7622887" y="197805"/>
+          <a:off x="7622887" y="175426"/>
           <a:ext cx="1818562" cy="1818562"/>
         </a:xfrm>
         <a:prstGeom prst="ellipse">
@@ -4382,7 +4518,7 @@
       </dsp:nvSpPr>
       <dsp:spPr>
         <a:xfrm>
-          <a:off x="8010450" y="585368"/>
+          <a:off x="8010450" y="562989"/>
           <a:ext cx="1043437" cy="1043437"/>
         </a:xfrm>
         <a:prstGeom prst="rect">
@@ -4432,8 +4568,8 @@
       </dsp:nvSpPr>
       <dsp:spPr>
         <a:xfrm>
-          <a:off x="7041543" y="2582806"/>
-          <a:ext cx="2981250" cy="945000"/>
+          <a:off x="7041543" y="2560426"/>
+          <a:ext cx="2981250" cy="989758"/>
         </a:xfrm>
         <a:prstGeom prst="rect">
           <a:avLst/>
@@ -4477,7 +4613,7 @@
           </a:pPr>
           <a:r>
             <a:rPr lang="en-US" sz="1600" kern="1200" cap="none" baseline="0" dirty="0">
-              <a:latin typeface="Times New Roman" panose="02020603050405020304" pitchFamily="18" charset="0"/>
+              <a:latin typeface="Arial Nova" panose="020B0504020202020204" pitchFamily="34" charset="0"/>
               <a:cs typeface="Times New Roman" panose="02020603050405020304" pitchFamily="18" charset="0"/>
             </a:rPr>
             <a:t>Auction winners receive an NFT that contains the auctioned NFT or auctioned item proof of ownership</a:t>
@@ -4485,8 +4621,8 @@
         </a:p>
       </dsp:txBody>
       <dsp:txXfrm>
-        <a:off x="7041543" y="2582806"/>
-        <a:ext cx="2981250" cy="945000"/>
+        <a:off x="7041543" y="2560426"/>
+        <a:ext cx="2981250" cy="989758"/>
       </dsp:txXfrm>
     </dsp:sp>
   </dsp:spTree>
@@ -4508,8 +4644,8 @@
       </dsp:nvSpPr>
       <dsp:spPr>
         <a:xfrm>
-          <a:off x="3143" y="66006"/>
-          <a:ext cx="3064668" cy="460800"/>
+          <a:off x="3143" y="60742"/>
+          <a:ext cx="3064668" cy="489600"/>
         </a:xfrm>
         <a:prstGeom prst="rect">
           <a:avLst/>
@@ -4550,12 +4686,12 @@
         </a:fontRef>
       </dsp:style>
       <dsp:txBody>
-        <a:bodyPr spcFirstLastPara="0" vert="horz" wrap="square" lIns="113792" tIns="65024" rIns="113792" bIns="65024" numCol="1" spcCol="1270" anchor="ctr" anchorCtr="0">
+        <a:bodyPr spcFirstLastPara="0" vert="horz" wrap="square" lIns="120904" tIns="69088" rIns="120904" bIns="69088" numCol="1" spcCol="1270" anchor="ctr" anchorCtr="0">
           <a:noAutofit/>
         </a:bodyPr>
         <a:lstStyle/>
         <a:p>
-          <a:pPr marL="0" lvl="0" indent="0" algn="ctr" defTabSz="711200">
+          <a:pPr marL="0" lvl="0" indent="0" algn="ctr" defTabSz="755650">
             <a:lnSpc>
               <a:spcPct val="90000"/>
             </a:lnSpc>
@@ -4568,14 +4704,16 @@
             <a:buNone/>
           </a:pPr>
           <a:r>
-            <a:rPr lang="en-US" sz="1600" kern="1200" dirty="0"/>
+            <a:rPr lang="en-US" sz="1700" kern="1200" dirty="0">
+              <a:latin typeface="Arial Nova" panose="020B0504020202020204" pitchFamily="34" charset="0"/>
+            </a:rPr>
             <a:t>Auction Contract Creation</a:t>
           </a:r>
         </a:p>
       </dsp:txBody>
       <dsp:txXfrm>
-        <a:off x="3143" y="66006"/>
-        <a:ext cx="3064668" cy="460800"/>
+        <a:off x="3143" y="60742"/>
+        <a:ext cx="3064668" cy="489600"/>
       </dsp:txXfrm>
     </dsp:sp>
     <dsp:sp modelId="{2634F61E-01CF-41A1-8C4E-DC45AC65FF86}">
@@ -4585,8 +4723,8 @@
       </dsp:nvSpPr>
       <dsp:spPr>
         <a:xfrm>
-          <a:off x="3143" y="526806"/>
-          <a:ext cx="3064668" cy="4257495"/>
+          <a:off x="3143" y="550342"/>
+          <a:ext cx="3064668" cy="4239223"/>
         </a:xfrm>
         <a:prstGeom prst="rect">
           <a:avLst/>
@@ -4647,10 +4785,14 @@
             <a:buChar char="•"/>
           </a:pPr>
           <a:r>
-            <a:rPr lang="en-US" sz="1800" kern="1200"/>
+            <a:rPr lang="en-US" sz="1800" kern="1200">
+              <a:latin typeface="Arial Nova" panose="020B0504020202020204" pitchFamily="34" charset="0"/>
+            </a:rPr>
             <a:t>Mint an NFT to be auctioned off.</a:t>
           </a:r>
-          <a:endParaRPr lang="en-US" sz="1800" kern="1200" dirty="0"/>
+          <a:endParaRPr lang="en-US" sz="1800" kern="1200" dirty="0">
+            <a:latin typeface="Arial Nova" panose="020B0504020202020204" pitchFamily="34" charset="0"/>
+          </a:endParaRPr>
         </a:p>
         <a:p>
           <a:pPr marL="228600" lvl="2" indent="-114300" algn="l" defTabSz="622300">
@@ -4667,10 +4809,14 @@
             <a:buChar char="Ø"/>
           </a:pPr>
           <a:r>
-            <a:rPr lang="en-US" sz="1400" b="0" kern="1200"/>
+            <a:rPr lang="en-US" sz="1400" b="0" kern="1200">
+              <a:latin typeface="Arial Nova" panose="020B0504020202020204" pitchFamily="34" charset="0"/>
+            </a:rPr>
             <a:t>Can contain an NFT itself, or some other proof of ownership for a physical item.</a:t>
           </a:r>
-          <a:endParaRPr lang="en-US" sz="1400" b="0" kern="1200" dirty="0"/>
+          <a:endParaRPr lang="en-US" sz="1400" b="0" kern="1200" dirty="0">
+            <a:latin typeface="Arial Nova" panose="020B0504020202020204" pitchFamily="34" charset="0"/>
+          </a:endParaRPr>
         </a:p>
         <a:p>
           <a:pPr marL="228600" lvl="2" indent="-114300" algn="l" defTabSz="622300">
@@ -4686,7 +4832,9 @@
             <a:buFont typeface="Wingdings" panose="05000000000000000000" pitchFamily="2" charset="2"/>
             <a:buChar char="Ø"/>
           </a:pPr>
-          <a:endParaRPr lang="en-US" sz="1400" b="1" kern="1200" dirty="0"/>
+          <a:endParaRPr lang="en-US" sz="1400" b="1" kern="1200" dirty="0">
+            <a:latin typeface="Arial Nova" panose="020B0504020202020204" pitchFamily="34" charset="0"/>
+          </a:endParaRPr>
         </a:p>
         <a:p>
           <a:pPr marL="171450" lvl="1" indent="-171450" algn="l" defTabSz="800100">
@@ -4702,10 +4850,14 @@
             <a:buChar char="•"/>
           </a:pPr>
           <a:r>
-            <a:rPr lang="en-US" sz="1800" kern="1200"/>
+            <a:rPr lang="en-US" sz="1800" kern="1200">
+              <a:latin typeface="Arial Nova" panose="020B0504020202020204" pitchFamily="34" charset="0"/>
+            </a:rPr>
             <a:t>Set the auction start time</a:t>
           </a:r>
-          <a:endParaRPr lang="en-US" sz="1800" kern="1200" dirty="0"/>
+          <a:endParaRPr lang="en-US" sz="1800" kern="1200" dirty="0">
+            <a:latin typeface="Arial Nova" panose="020B0504020202020204" pitchFamily="34" charset="0"/>
+          </a:endParaRPr>
         </a:p>
         <a:p>
           <a:pPr marL="171450" lvl="1" indent="-171450" algn="l" defTabSz="800100">
@@ -4720,7 +4872,9 @@
             </a:spcAft>
             <a:buChar char="•"/>
           </a:pPr>
-          <a:endParaRPr lang="en-US" sz="1800" kern="1200" dirty="0"/>
+          <a:endParaRPr lang="en-US" sz="1800" kern="1200" dirty="0">
+            <a:latin typeface="Arial Nova" panose="020B0504020202020204" pitchFamily="34" charset="0"/>
+          </a:endParaRPr>
         </a:p>
         <a:p>
           <a:pPr marL="171450" lvl="1" indent="-171450" algn="l" defTabSz="800100">
@@ -4736,10 +4890,14 @@
             <a:buChar char="•"/>
           </a:pPr>
           <a:r>
-            <a:rPr lang="en-US" sz="1800" kern="1200"/>
+            <a:rPr lang="en-US" sz="1800" kern="1200">
+              <a:latin typeface="Arial Nova" panose="020B0504020202020204" pitchFamily="34" charset="0"/>
+            </a:rPr>
             <a:t>Set the auction starting bid.</a:t>
           </a:r>
-          <a:endParaRPr lang="en-US" sz="1800" kern="1200" dirty="0"/>
+          <a:endParaRPr lang="en-US" sz="1800" kern="1200" dirty="0">
+            <a:latin typeface="Arial Nova" panose="020B0504020202020204" pitchFamily="34" charset="0"/>
+          </a:endParaRPr>
         </a:p>
         <a:p>
           <a:pPr marL="171450" lvl="1" indent="-171450" algn="l" defTabSz="800100">
@@ -4754,7 +4912,9 @@
             </a:spcAft>
             <a:buChar char="•"/>
           </a:pPr>
-          <a:endParaRPr lang="en-US" sz="1800" kern="1200" dirty="0"/>
+          <a:endParaRPr lang="en-US" sz="1800" kern="1200" dirty="0">
+            <a:latin typeface="Arial Nova" panose="020B0504020202020204" pitchFamily="34" charset="0"/>
+          </a:endParaRPr>
         </a:p>
         <a:p>
           <a:pPr marL="171450" lvl="1" indent="-171450" algn="l" defTabSz="800100">
@@ -4770,15 +4930,19 @@
             <a:buChar char="•"/>
           </a:pPr>
           <a:r>
-            <a:rPr lang="en-US" sz="1800" kern="1200"/>
+            <a:rPr lang="en-US" sz="1800" kern="1200">
+              <a:latin typeface="Arial Nova" panose="020B0504020202020204" pitchFamily="34" charset="0"/>
+            </a:rPr>
             <a:t>Set the auction duration (default is 6 hours).</a:t>
           </a:r>
-          <a:endParaRPr lang="en-US" sz="1800" kern="1200" dirty="0"/>
+          <a:endParaRPr lang="en-US" sz="1800" kern="1200" dirty="0">
+            <a:latin typeface="Arial Nova" panose="020B0504020202020204" pitchFamily="34" charset="0"/>
+          </a:endParaRPr>
         </a:p>
       </dsp:txBody>
       <dsp:txXfrm>
-        <a:off x="3143" y="526806"/>
-        <a:ext cx="3064668" cy="4257495"/>
+        <a:off x="3143" y="550342"/>
+        <a:ext cx="3064668" cy="4239223"/>
       </dsp:txXfrm>
     </dsp:sp>
     <dsp:sp modelId="{3AA91630-54E0-48CC-AD17-7E840671243E}">
@@ -4788,8 +4952,8 @@
       </dsp:nvSpPr>
       <dsp:spPr>
         <a:xfrm>
-          <a:off x="3496865" y="66006"/>
-          <a:ext cx="3064668" cy="460800"/>
+          <a:off x="3496865" y="60742"/>
+          <a:ext cx="3064668" cy="489600"/>
         </a:xfrm>
         <a:prstGeom prst="rect">
           <a:avLst/>
@@ -4830,12 +4994,12 @@
         </a:fontRef>
       </dsp:style>
       <dsp:txBody>
-        <a:bodyPr spcFirstLastPara="0" vert="horz" wrap="square" lIns="113792" tIns="65024" rIns="113792" bIns="65024" numCol="1" spcCol="1270" anchor="ctr" anchorCtr="0">
+        <a:bodyPr spcFirstLastPara="0" vert="horz" wrap="square" lIns="120904" tIns="69088" rIns="120904" bIns="69088" numCol="1" spcCol="1270" anchor="ctr" anchorCtr="0">
           <a:noAutofit/>
         </a:bodyPr>
         <a:lstStyle/>
         <a:p>
-          <a:pPr marL="0" lvl="0" indent="0" algn="ctr" defTabSz="711200">
+          <a:pPr marL="0" lvl="0" indent="0" algn="ctr" defTabSz="755650">
             <a:lnSpc>
               <a:spcPct val="90000"/>
             </a:lnSpc>
@@ -4848,14 +5012,16 @@
             <a:buNone/>
           </a:pPr>
           <a:r>
-            <a:rPr lang="en-US" sz="1600" kern="1200" dirty="0"/>
+            <a:rPr lang="en-US" sz="1700" kern="1200" dirty="0">
+              <a:latin typeface="Arial Nova" panose="020B0504020202020204" pitchFamily="34" charset="0"/>
+            </a:rPr>
             <a:t>Participate in the Auction</a:t>
           </a:r>
         </a:p>
       </dsp:txBody>
       <dsp:txXfrm>
-        <a:off x="3496865" y="66006"/>
-        <a:ext cx="3064668" cy="460800"/>
+        <a:off x="3496865" y="60742"/>
+        <a:ext cx="3064668" cy="489600"/>
       </dsp:txXfrm>
     </dsp:sp>
     <dsp:sp modelId="{8954480A-0DF6-46C0-9867-7F5C40BA861B}">
@@ -4865,8 +5031,8 @@
       </dsp:nvSpPr>
       <dsp:spPr>
         <a:xfrm>
-          <a:off x="3496865" y="526806"/>
-          <a:ext cx="3064668" cy="4257495"/>
+          <a:off x="3496865" y="550342"/>
+          <a:ext cx="3064668" cy="4239223"/>
         </a:xfrm>
         <a:prstGeom prst="rect">
           <a:avLst/>
@@ -4909,12 +5075,12 @@
         <a:fontRef idx="minor"/>
       </dsp:style>
       <dsp:txBody>
-        <a:bodyPr spcFirstLastPara="0" vert="horz" wrap="square" lIns="85344" tIns="85344" rIns="113792" bIns="128016" numCol="1" spcCol="1270" anchor="t" anchorCtr="0">
+        <a:bodyPr spcFirstLastPara="0" vert="horz" wrap="square" lIns="90678" tIns="90678" rIns="120904" bIns="136017" numCol="1" spcCol="1270" anchor="t" anchorCtr="0">
           <a:noAutofit/>
         </a:bodyPr>
         <a:lstStyle/>
         <a:p>
-          <a:pPr marL="171450" lvl="1" indent="-171450" algn="l" defTabSz="711200">
+          <a:pPr marL="171450" lvl="1" indent="-171450" algn="l" defTabSz="755650">
             <a:lnSpc>
               <a:spcPct val="90000"/>
             </a:lnSpc>
@@ -4927,12 +5093,14 @@
             <a:buChar char="•"/>
           </a:pPr>
           <a:r>
-            <a:rPr lang="en-US" sz="1600" kern="1200" dirty="0"/>
+            <a:rPr lang="en-US" sz="1700" kern="1200" dirty="0">
+              <a:latin typeface="Arial Nova" panose="020B0504020202020204" pitchFamily="34" charset="0"/>
+            </a:rPr>
             <a:t>Through the chat bot, auction bidders will be able to see the current highest bid.</a:t>
           </a:r>
         </a:p>
         <a:p>
-          <a:pPr marL="171450" lvl="1" indent="-171450" algn="l" defTabSz="711200">
+          <a:pPr marL="171450" lvl="1" indent="-171450" algn="l" defTabSz="755650">
             <a:lnSpc>
               <a:spcPct val="90000"/>
             </a:lnSpc>
@@ -4944,10 +5112,12 @@
             </a:spcAft>
             <a:buChar char="•"/>
           </a:pPr>
-          <a:endParaRPr lang="en-US" sz="1600" kern="1200" dirty="0"/>
+          <a:endParaRPr lang="en-US" sz="1700" kern="1200" dirty="0">
+            <a:latin typeface="Arial Nova" panose="020B0504020202020204" pitchFamily="34" charset="0"/>
+          </a:endParaRPr>
         </a:p>
         <a:p>
-          <a:pPr marL="171450" lvl="1" indent="-171450" algn="l" defTabSz="711200">
+          <a:pPr marL="171450" lvl="1" indent="-171450" algn="l" defTabSz="755650">
             <a:lnSpc>
               <a:spcPct val="90000"/>
             </a:lnSpc>
@@ -4960,12 +5130,14 @@
             <a:buChar char="•"/>
           </a:pPr>
           <a:r>
-            <a:rPr lang="en-US" sz="1600" kern="1200" dirty="0"/>
+            <a:rPr lang="en-US" sz="1700" kern="1200" dirty="0">
+              <a:latin typeface="Arial Nova" panose="020B0504020202020204" pitchFamily="34" charset="0"/>
+            </a:rPr>
             <a:t>If they wish to place a bid, their bid must be higher than the current highest bid.</a:t>
           </a:r>
         </a:p>
         <a:p>
-          <a:pPr marL="171450" lvl="1" indent="-171450" algn="l" defTabSz="711200">
+          <a:pPr marL="171450" lvl="1" indent="-171450" algn="l" defTabSz="755650">
             <a:lnSpc>
               <a:spcPct val="90000"/>
             </a:lnSpc>
@@ -4977,10 +5149,12 @@
             </a:spcAft>
             <a:buChar char="•"/>
           </a:pPr>
-          <a:endParaRPr lang="en-US" sz="1600" kern="1200" dirty="0"/>
+          <a:endParaRPr lang="en-US" sz="1700" kern="1200" dirty="0">
+            <a:latin typeface="Arial Nova" panose="020B0504020202020204" pitchFamily="34" charset="0"/>
+          </a:endParaRPr>
         </a:p>
         <a:p>
-          <a:pPr marL="171450" lvl="1" indent="-171450" algn="l" defTabSz="711200">
+          <a:pPr marL="171450" lvl="1" indent="-171450" algn="l" defTabSz="755650">
             <a:lnSpc>
               <a:spcPct val="90000"/>
             </a:lnSpc>
@@ -4993,14 +5167,16 @@
             <a:buChar char="•"/>
           </a:pPr>
           <a:r>
-            <a:rPr lang="en-US" sz="1600" kern="1200" dirty="0"/>
+            <a:rPr lang="en-US" sz="1700" kern="1200" dirty="0">
+              <a:latin typeface="Arial Nova" panose="020B0504020202020204" pitchFamily="34" charset="0"/>
+            </a:rPr>
             <a:t>The auction contract will keep track of the highest bid and the auction time so that there is one winner at the end of the auction.</a:t>
           </a:r>
         </a:p>
       </dsp:txBody>
       <dsp:txXfrm>
-        <a:off x="3496865" y="526806"/>
-        <a:ext cx="3064668" cy="4257495"/>
+        <a:off x="3496865" y="550342"/>
+        <a:ext cx="3064668" cy="4239223"/>
       </dsp:txXfrm>
     </dsp:sp>
     <dsp:sp modelId="{F932F6B4-2F29-41A5-B0A7-26D7AE38D369}">
@@ -5010,8 +5186,8 @@
       </dsp:nvSpPr>
       <dsp:spPr>
         <a:xfrm>
-          <a:off x="6990588" y="66006"/>
-          <a:ext cx="3064668" cy="460800"/>
+          <a:off x="6990588" y="60742"/>
+          <a:ext cx="3064668" cy="489600"/>
         </a:xfrm>
         <a:prstGeom prst="rect">
           <a:avLst/>
@@ -5052,12 +5228,12 @@
         </a:fontRef>
       </dsp:style>
       <dsp:txBody>
-        <a:bodyPr spcFirstLastPara="0" vert="horz" wrap="square" lIns="113792" tIns="65024" rIns="113792" bIns="65024" numCol="1" spcCol="1270" anchor="ctr" anchorCtr="0">
+        <a:bodyPr spcFirstLastPara="0" vert="horz" wrap="square" lIns="120904" tIns="69088" rIns="120904" bIns="69088" numCol="1" spcCol="1270" anchor="ctr" anchorCtr="0">
           <a:noAutofit/>
         </a:bodyPr>
         <a:lstStyle/>
         <a:p>
-          <a:pPr marL="0" lvl="0" indent="0" algn="ctr" defTabSz="711200">
+          <a:pPr marL="0" lvl="0" indent="0" algn="ctr" defTabSz="755650">
             <a:lnSpc>
               <a:spcPct val="90000"/>
             </a:lnSpc>
@@ -5070,14 +5246,16 @@
             <a:buNone/>
           </a:pPr>
           <a:r>
-            <a:rPr lang="en-US" sz="1600" kern="1200" dirty="0"/>
+            <a:rPr lang="en-US" sz="1700" kern="1200" dirty="0">
+              <a:latin typeface="Arial Nova" panose="020B0504020202020204" pitchFamily="34" charset="0"/>
+            </a:rPr>
             <a:t>Winning an Auction</a:t>
           </a:r>
         </a:p>
       </dsp:txBody>
       <dsp:txXfrm>
-        <a:off x="6990588" y="66006"/>
-        <a:ext cx="3064668" cy="460800"/>
+        <a:off x="6990588" y="60742"/>
+        <a:ext cx="3064668" cy="489600"/>
       </dsp:txXfrm>
     </dsp:sp>
     <dsp:sp modelId="{03101FAA-AF12-4540-B4C1-ABE84296490F}">
@@ -5087,8 +5265,8 @@
       </dsp:nvSpPr>
       <dsp:spPr>
         <a:xfrm>
-          <a:off x="6990588" y="526806"/>
-          <a:ext cx="3064668" cy="4257495"/>
+          <a:off x="6990588" y="550342"/>
+          <a:ext cx="3064668" cy="4239223"/>
         </a:xfrm>
         <a:prstGeom prst="rect">
           <a:avLst/>
@@ -5131,12 +5309,12 @@
         <a:fontRef idx="minor"/>
       </dsp:style>
       <dsp:txBody>
-        <a:bodyPr spcFirstLastPara="0" vert="horz" wrap="square" lIns="85344" tIns="85344" rIns="113792" bIns="128016" numCol="1" spcCol="1270" anchor="t" anchorCtr="0">
+        <a:bodyPr spcFirstLastPara="0" vert="horz" wrap="square" lIns="90678" tIns="90678" rIns="120904" bIns="136017" numCol="1" spcCol="1270" anchor="t" anchorCtr="0">
           <a:noAutofit/>
         </a:bodyPr>
         <a:lstStyle/>
         <a:p>
-          <a:pPr marL="171450" lvl="1" indent="-171450" algn="l" defTabSz="711200">
+          <a:pPr marL="171450" lvl="1" indent="-171450" algn="l" defTabSz="755650">
             <a:lnSpc>
               <a:spcPct val="90000"/>
             </a:lnSpc>
@@ -5149,12 +5327,14 @@
             <a:buChar char="•"/>
           </a:pPr>
           <a:r>
-            <a:rPr lang="en-US" sz="1600" kern="1200" dirty="0"/>
+            <a:rPr lang="en-US" sz="1700" kern="1200" dirty="0">
+              <a:latin typeface="Arial Nova" panose="020B0504020202020204" pitchFamily="34" charset="0"/>
+            </a:rPr>
             <a:t>The winning bidder will receive the auctioned NFT along with the auction contract’s information.</a:t>
           </a:r>
         </a:p>
         <a:p>
-          <a:pPr marL="171450" lvl="1" indent="-171450" algn="l" defTabSz="711200">
+          <a:pPr marL="171450" lvl="1" indent="-171450" algn="l" defTabSz="755650">
             <a:lnSpc>
               <a:spcPct val="90000"/>
             </a:lnSpc>
@@ -5166,10 +5346,12 @@
             </a:spcAft>
             <a:buChar char="•"/>
           </a:pPr>
-          <a:endParaRPr lang="en-US" sz="1600" kern="1200" dirty="0"/>
+          <a:endParaRPr lang="en-US" sz="1700" kern="1200" dirty="0">
+            <a:latin typeface="Arial Nova" panose="020B0504020202020204" pitchFamily="34" charset="0"/>
+          </a:endParaRPr>
         </a:p>
         <a:p>
-          <a:pPr marL="171450" lvl="1" indent="-171450" algn="l" defTabSz="711200">
+          <a:pPr marL="171450" lvl="1" indent="-171450" algn="l" defTabSz="755650">
             <a:lnSpc>
               <a:spcPct val="90000"/>
             </a:lnSpc>
@@ -5182,12 +5364,14 @@
             <a:buChar char="•"/>
           </a:pPr>
           <a:r>
-            <a:rPr lang="en-US" sz="1600" kern="1200" dirty="0"/>
+            <a:rPr lang="en-US" sz="1700" kern="1200" dirty="0">
+              <a:latin typeface="Arial Nova" panose="020B0504020202020204" pitchFamily="34" charset="0"/>
+            </a:rPr>
             <a:t> Anytime a bidder gets out-bid by another user, their funds are automatically returned to them.  This creates no need to return any funds to losers at the end of the auction.</a:t>
           </a:r>
         </a:p>
         <a:p>
-          <a:pPr marL="171450" lvl="1" indent="-171450" algn="l" defTabSz="711200">
+          <a:pPr marL="171450" lvl="1" indent="-171450" algn="l" defTabSz="755650">
             <a:lnSpc>
               <a:spcPct val="90000"/>
             </a:lnSpc>
@@ -5199,10 +5383,12 @@
             </a:spcAft>
             <a:buChar char="•"/>
           </a:pPr>
-          <a:endParaRPr lang="en-US" sz="1600" kern="1200" dirty="0"/>
+          <a:endParaRPr lang="en-US" sz="1700" kern="1200" dirty="0">
+            <a:latin typeface="Arial Nova" panose="020B0504020202020204" pitchFamily="34" charset="0"/>
+          </a:endParaRPr>
         </a:p>
         <a:p>
-          <a:pPr marL="171450" lvl="1" indent="-171450" algn="l" defTabSz="711200">
+          <a:pPr marL="171450" lvl="1" indent="-171450" algn="l" defTabSz="755650">
             <a:lnSpc>
               <a:spcPct val="90000"/>
             </a:lnSpc>
@@ -5215,14 +5401,16 @@
             <a:buChar char="•"/>
           </a:pPr>
           <a:r>
-            <a:rPr lang="en-US" sz="1600" kern="1200" dirty="0"/>
+            <a:rPr lang="en-US" sz="1700" kern="1200" dirty="0">
+              <a:latin typeface="Arial Nova" panose="020B0504020202020204" pitchFamily="34" charset="0"/>
+            </a:rPr>
             <a:t>The auction creator will be paid the winning bid amount.</a:t>
           </a:r>
         </a:p>
       </dsp:txBody>
       <dsp:txXfrm>
-        <a:off x="6990588" y="526806"/>
-        <a:ext cx="3064668" cy="4257495"/>
+        <a:off x="6990588" y="550342"/>
+        <a:ext cx="3064668" cy="4239223"/>
       </dsp:txXfrm>
     </dsp:sp>
   </dsp:spTree>
@@ -13615,7 +13803,7 @@
             <p:ph idx="1"/>
             <p:extLst>
               <p:ext uri="{D42A27DB-BD31-4B8C-83A1-F6EECF244321}">
-                <p14:modId xmlns:p14="http://schemas.microsoft.com/office/powerpoint/2010/main" val="1891390682"/>
+                <p14:modId xmlns:p14="http://schemas.microsoft.com/office/powerpoint/2010/main" val="2365145315"/>
               </p:ext>
             </p:extLst>
           </p:nvPr>
@@ -13709,7 +13897,7 @@
             <p:ph idx="1"/>
             <p:extLst>
               <p:ext uri="{D42A27DB-BD31-4B8C-83A1-F6EECF244321}">
-                <p14:modId xmlns:p14="http://schemas.microsoft.com/office/powerpoint/2010/main" val="3062470936"/>
+                <p14:modId xmlns:p14="http://schemas.microsoft.com/office/powerpoint/2010/main" val="519770907"/>
               </p:ext>
             </p:extLst>
           </p:nvPr>
@@ -14264,24 +14452,6 @@
 </file>
 
 <file path=customXml/item1.xml><?xml version="1.0" encoding="utf-8"?>
-<p:properties xmlns:p="http://schemas.microsoft.com/office/2006/metadata/properties" xmlns:xsi="http://www.w3.org/2001/XMLSchema-instance" xmlns:pc="http://schemas.microsoft.com/office/infopath/2007/PartnerControls">
-  <documentManagement>
-    <Status xmlns="71af3243-3dd4-4a8d-8c0d-dd76da1f02a5">Not started</Status>
-    <MediaServiceKeyPoints xmlns="71af3243-3dd4-4a8d-8c0d-dd76da1f02a5" xsi:nil="true"/>
-  </documentManagement>
-</p:properties>
-</file>
-
-<file path=customXml/item2.xml><?xml version="1.0" encoding="utf-8"?>
-<?mso-contentType ?>
-<FormTemplates xmlns="http://schemas.microsoft.com/sharepoint/v3/contenttype/forms">
-  <Display>DocumentLibraryForm</Display>
-  <Edit>DocumentLibraryForm</Edit>
-  <New>DocumentLibraryForm</New>
-</FormTemplates>
-</file>
-
-<file path=customXml/item3.xml><?xml version="1.0" encoding="utf-8"?>
 <ct:contentTypeSchema xmlns:ct="http://schemas.microsoft.com/office/2006/metadata/contentType" xmlns:ma="http://schemas.microsoft.com/office/2006/metadata/properties/metaAttributes" ct:_="" ma:_="" ma:contentTypeName="Document" ma:contentTypeID="0x01010079F111ED35F8CC479449609E8A0923A6" ma:contentTypeVersion="12" ma:contentTypeDescription="Create a new document." ma:contentTypeScope="" ma:versionID="a410dd7f93c95333ffa1b60ed6adedd1">
   <xsd:schema xmlns:xsd="http://www.w3.org/2001/XMLSchema" xmlns:xs="http://www.w3.org/2001/XMLSchema" xmlns:p="http://schemas.microsoft.com/office/2006/metadata/properties" xmlns:ns2="71af3243-3dd4-4a8d-8c0d-dd76da1f02a5" xmlns:ns3="16c05727-aa75-4e4a-9b5f-8a80a1165891" targetNamespace="http://schemas.microsoft.com/office/2006/metadata/properties" ma:root="true" ma:fieldsID="a936d9baba76aa3866493feff160faab" ns2:_="" ns3:_="">
     <xsd:import namespace="71af3243-3dd4-4a8d-8c0d-dd76da1f02a5"/>
@@ -14502,25 +14672,25 @@
 </ct:contentTypeSchema>
 </file>
 
-<file path=customXml/itemProps1.xml><?xml version="1.0" encoding="utf-8"?>
-<ds:datastoreItem xmlns:ds="http://schemas.openxmlformats.org/officeDocument/2006/customXml" ds:itemID="{137651BA-F45C-4845-9AB3-E0A65B39F5E1}">
-  <ds:schemaRefs>
-    <ds:schemaRef ds:uri="http://schemas.microsoft.com/office/2006/metadata/properties"/>
-    <ds:schemaRef ds:uri="http://schemas.microsoft.com/office/infopath/2007/PartnerControls"/>
-    <ds:schemaRef ds:uri="71af3243-3dd4-4a8d-8c0d-dd76da1f02a5"/>
-  </ds:schemaRefs>
-</ds:datastoreItem>
+<file path=customXml/item2.xml><?xml version="1.0" encoding="utf-8"?>
+<?mso-contentType ?>
+<FormTemplates xmlns="http://schemas.microsoft.com/sharepoint/v3/contenttype/forms">
+  <Display>DocumentLibraryForm</Display>
+  <Edit>DocumentLibraryForm</Edit>
+  <New>DocumentLibraryForm</New>
+</FormTemplates>
 </file>
 
-<file path=customXml/itemProps2.xml><?xml version="1.0" encoding="utf-8"?>
-<ds:datastoreItem xmlns:ds="http://schemas.openxmlformats.org/officeDocument/2006/customXml" ds:itemID="{CDB58277-F8DF-46FF-84EC-EF41B835E69F}">
-  <ds:schemaRefs>
-    <ds:schemaRef ds:uri="http://schemas.microsoft.com/sharepoint/v3/contenttype/forms"/>
-  </ds:schemaRefs>
-</ds:datastoreItem>
+<file path=customXml/item3.xml><?xml version="1.0" encoding="utf-8"?>
+<p:properties xmlns:p="http://schemas.microsoft.com/office/2006/metadata/properties" xmlns:xsi="http://www.w3.org/2001/XMLSchema-instance" xmlns:pc="http://schemas.microsoft.com/office/infopath/2007/PartnerControls">
+  <documentManagement>
+    <Status xmlns="71af3243-3dd4-4a8d-8c0d-dd76da1f02a5">Not started</Status>
+    <MediaServiceKeyPoints xmlns="71af3243-3dd4-4a8d-8c0d-dd76da1f02a5" xsi:nil="true"/>
+  </documentManagement>
+</p:properties>
 </file>
 
-<file path=customXml/itemProps3.xml><?xml version="1.0" encoding="utf-8"?>
+<file path=customXml/itemProps1.xml><?xml version="1.0" encoding="utf-8"?>
 <ds:datastoreItem xmlns:ds="http://schemas.openxmlformats.org/officeDocument/2006/customXml" ds:itemID="{2D276E62-80A3-44DD-9BCC-97ED2B99B57F}">
   <ds:schemaRefs>
     <ds:schemaRef ds:uri="http://schemas.microsoft.com/office/2006/metadata/contentType"/>
@@ -14537,4 +14707,22 @@
     <ds:schemaRef ds:uri="http://schemas.microsoft.com/internal/obd"/>
   </ds:schemaRefs>
 </ds:datastoreItem>
+</file>
+
+<file path=customXml/itemProps2.xml><?xml version="1.0" encoding="utf-8"?>
+<ds:datastoreItem xmlns:ds="http://schemas.openxmlformats.org/officeDocument/2006/customXml" ds:itemID="{CDB58277-F8DF-46FF-84EC-EF41B835E69F}">
+  <ds:schemaRefs>
+    <ds:schemaRef ds:uri="http://schemas.microsoft.com/sharepoint/v3/contenttype/forms"/>
+  </ds:schemaRefs>
+</ds:datastoreItem>
+</file>
+
+<file path=customXml/itemProps3.xml><?xml version="1.0" encoding="utf-8"?>
+<ds:datastoreItem xmlns:ds="http://schemas.openxmlformats.org/officeDocument/2006/customXml" ds:itemID="{137651BA-F45C-4845-9AB3-E0A65B39F5E1}">
+  <ds:schemaRefs>
+    <ds:schemaRef ds:uri="http://schemas.microsoft.com/office/2006/metadata/properties"/>
+    <ds:schemaRef ds:uri="http://schemas.microsoft.com/office/infopath/2007/PartnerControls"/>
+    <ds:schemaRef ds:uri="71af3243-3dd4-4a8d-8c0d-dd76da1f02a5"/>
+  </ds:schemaRefs>
+</ds:datastoreItem>
 </file>
--- a/presentation/Auction Block.pptx
+++ b/presentation/Auction Block.pptx
@@ -113,6 +113,18 @@
     </p:ext>
   </p:extLst>
 </p:presentation>
+</file>
+
+<file path=ppt/commentAuthors.xml><?xml version="1.0" encoding="utf-8"?>
+<p:cmAuthorLst xmlns:a="http://schemas.openxmlformats.org/drawingml/2006/main" xmlns:r="http://schemas.openxmlformats.org/officeDocument/2006/relationships" xmlns:p="http://schemas.openxmlformats.org/presentationml/2006/main">
+  <p:cmAuthor id="1" name="Travis Stewart" initials="TS" lastIdx="1" clrIdx="0">
+    <p:extLst>
+      <p:ext uri="{19B8F6BF-5375-455C-9EA6-DF929625EA0E}">
+        <p15:presenceInfo xmlns:p15="http://schemas.microsoft.com/office/powerpoint/2012/main" userId="Travis Stewart" providerId="None"/>
+      </p:ext>
+    </p:extLst>
+  </p:cmAuthor>
+</p:cmAuthorLst>
 </file>
 
 <file path=ppt/diagrams/colors1.xml><?xml version="1.0" encoding="utf-8"?>
@@ -2666,7 +2678,7 @@
               <a:latin typeface="Arial Nova" panose="020B0504020202020204" pitchFamily="34" charset="0"/>
               <a:cs typeface="Times New Roman" panose="02020603050405020304" pitchFamily="18" charset="0"/>
             </a:rPr>
-            <a:t>Auction winners receive an NFT that contains the auctioned NFT or auctioned item proof of ownership</a:t>
+            <a:t>Auction winners receive an NFT that contains the auctioned item’s proof of ownership</a:t>
           </a:r>
         </a:p>
       </dgm:t>
@@ -2693,6 +2705,66 @@
         </a:p>
       </dgm:t>
     </dgm:pt>
+    <dgm:pt modelId="{AD335FB9-D0F3-4CB2-BEBC-EC5E7A1BCBE9}">
+      <dgm:prSet custT="1"/>
+      <dgm:spPr/>
+      <dgm:t>
+        <a:bodyPr/>
+        <a:lstStyle/>
+        <a:p>
+          <a:pPr>
+            <a:lnSpc>
+              <a:spcPct val="100000"/>
+            </a:lnSpc>
+            <a:defRPr cap="all"/>
+          </a:pPr>
+          <a:r>
+            <a:rPr lang="en-US" sz="1600" cap="none" baseline="0" dirty="0">
+              <a:latin typeface="Arial Nova" panose="020B0504020202020204" pitchFamily="34" charset="0"/>
+              <a:cs typeface="Times New Roman" panose="02020603050405020304" pitchFamily="18" charset="0"/>
+            </a:rPr>
+            <a:t>Both the seller and buyer are </a:t>
+          </a:r>
+          <a:r>
+            <a:rPr lang="en-US" sz="1600" cap="none" baseline="0" dirty="0" err="1">
+              <a:latin typeface="Arial Nova" panose="020B0504020202020204" pitchFamily="34" charset="0"/>
+              <a:cs typeface="Times New Roman" panose="02020603050405020304" pitchFamily="18" charset="0"/>
+            </a:rPr>
+            <a:t>incentized</a:t>
+          </a:r>
+          <a:r>
+            <a:rPr lang="en-US" sz="1600" cap="none" baseline="0" dirty="0">
+              <a:latin typeface="Arial Nova" panose="020B0504020202020204" pitchFamily="34" charset="0"/>
+              <a:cs typeface="Times New Roman" panose="02020603050405020304" pitchFamily="18" charset="0"/>
+            </a:rPr>
+            <a:t> to act in good faith by the staking of Tulips</a:t>
+          </a:r>
+          <a:endParaRPr lang="en-US" sz="1600" dirty="0"/>
+        </a:p>
+      </dgm:t>
+    </dgm:pt>
+    <dgm:pt modelId="{F0F201D9-D215-4B76-A595-DFFAD3E0441F}" type="parTrans" cxnId="{6C6F03E8-7932-4C95-B5E7-9729A047BF67}">
+      <dgm:prSet/>
+      <dgm:spPr/>
+      <dgm:t>
+        <a:bodyPr/>
+        <a:lstStyle/>
+        <a:p>
+          <a:endParaRPr lang="en-US"/>
+        </a:p>
+      </dgm:t>
+    </dgm:pt>
+    <dgm:pt modelId="{C2C1B746-0ABB-4DF0-BF5C-D82956FB54EA}" type="sibTrans" cxnId="{6C6F03E8-7932-4C95-B5E7-9729A047BF67}">
+      <dgm:prSet/>
+      <dgm:spPr/>
+      <dgm:t>
+        <a:bodyPr/>
+        <a:lstStyle/>
+        <a:p>
+          <a:endParaRPr lang="en-US"/>
+        </a:p>
+      </dgm:t>
+    </dgm:pt>
     <dgm:pt modelId="{50B3CE7C-E10B-4E23-BD93-03664997C932}" type="pres">
       <dgm:prSet presAssocID="{01A66772-F185-4D58-B8BB-E9370D7A7A2B}" presName="root" presStyleCnt="0">
         <dgm:presLayoutVars>
@@ -2707,11 +2779,11 @@
       <dgm:spPr/>
     </dgm:pt>
     <dgm:pt modelId="{B59FCF02-CAD2-4D6F-9542-AD86711168CA}" type="pres">
-      <dgm:prSet presAssocID="{40FC4FFE-8987-4A26-B7F4-8A516F18ADAE}" presName="iconBgRect" presStyleLbl="bgShp" presStyleIdx="0" presStyleCnt="3"/>
+      <dgm:prSet presAssocID="{40FC4FFE-8987-4A26-B7F4-8A516F18ADAE}" presName="iconBgRect" presStyleLbl="bgShp" presStyleIdx="0" presStyleCnt="4"/>
       <dgm:spPr/>
     </dgm:pt>
     <dgm:pt modelId="{7C175B98-93F4-4D7C-BB95-1514AB879CD5}" type="pres">
-      <dgm:prSet presAssocID="{40FC4FFE-8987-4A26-B7F4-8A516F18ADAE}" presName="iconRect" presStyleLbl="node1" presStyleIdx="0" presStyleCnt="3"/>
+      <dgm:prSet presAssocID="{40FC4FFE-8987-4A26-B7F4-8A516F18ADAE}" presName="iconRect" presStyleLbl="node1" presStyleIdx="0" presStyleCnt="4"/>
       <dgm:spPr>
         <a:blipFill>
           <a:blip xmlns:r="http://schemas.openxmlformats.org/officeDocument/2006/relationships" r:embed="rId1">
@@ -2744,7 +2816,7 @@
       <dgm:spPr/>
     </dgm:pt>
     <dgm:pt modelId="{127117FB-F8A7-4A20-A8A7-EC686DDC76D0}" type="pres">
-      <dgm:prSet presAssocID="{40FC4FFE-8987-4A26-B7F4-8A516F18ADAE}" presName="textRect" presStyleLbl="revTx" presStyleIdx="0" presStyleCnt="3">
+      <dgm:prSet presAssocID="{40FC4FFE-8987-4A26-B7F4-8A516F18ADAE}" presName="textRect" presStyleLbl="revTx" presStyleIdx="0" presStyleCnt="4">
         <dgm:presLayoutVars>
           <dgm:chMax val="1"/>
           <dgm:chPref val="1"/>
@@ -2761,11 +2833,11 @@
       <dgm:spPr/>
     </dgm:pt>
     <dgm:pt modelId="{BCD8CDD9-0C56-4401-ADB1-8B48DAB2C96F}" type="pres">
-      <dgm:prSet presAssocID="{49225C73-1633-42F1-AB3B-7CB183E5F8B8}" presName="iconBgRect" presStyleLbl="bgShp" presStyleIdx="1" presStyleCnt="3"/>
+      <dgm:prSet presAssocID="{49225C73-1633-42F1-AB3B-7CB183E5F8B8}" presName="iconBgRect" presStyleLbl="bgShp" presStyleIdx="1" presStyleCnt="4"/>
       <dgm:spPr/>
     </dgm:pt>
     <dgm:pt modelId="{DB4CA7C4-FCA1-4127-B20A-2A5C031A3CF4}" type="pres">
-      <dgm:prSet presAssocID="{49225C73-1633-42F1-AB3B-7CB183E5F8B8}" presName="iconRect" presStyleLbl="node1" presStyleIdx="1" presStyleCnt="3"/>
+      <dgm:prSet presAssocID="{49225C73-1633-42F1-AB3B-7CB183E5F8B8}" presName="iconRect" presStyleLbl="node1" presStyleIdx="1" presStyleCnt="4"/>
       <dgm:spPr>
         <a:blipFill>
           <a:blip xmlns:r="http://schemas.openxmlformats.org/officeDocument/2006/relationships" r:embed="rId3">
@@ -2795,7 +2867,7 @@
       <dgm:spPr/>
     </dgm:pt>
     <dgm:pt modelId="{7E6FE37A-5DB0-4899-9FCB-0CE39BC185F8}" type="pres">
-      <dgm:prSet presAssocID="{49225C73-1633-42F1-AB3B-7CB183E5F8B8}" presName="textRect" presStyleLbl="revTx" presStyleIdx="1" presStyleCnt="3">
+      <dgm:prSet presAssocID="{49225C73-1633-42F1-AB3B-7CB183E5F8B8}" presName="textRect" presStyleLbl="revTx" presStyleIdx="1" presStyleCnt="4">
         <dgm:presLayoutVars>
           <dgm:chMax val="1"/>
           <dgm:chPref val="1"/>
@@ -2807,16 +2879,16 @@
       <dgm:prSet presAssocID="{9646853A-8964-4519-A5B1-0B7D18B2983D}" presName="sibTrans" presStyleCnt="0"/>
       <dgm:spPr/>
     </dgm:pt>
-    <dgm:pt modelId="{ECFA770B-DE2C-4683-A038-58D0FE44BC27}" type="pres">
-      <dgm:prSet presAssocID="{1C383F32-22E8-4F62-A3E0-BDC3D5F48992}" presName="compNode" presStyleCnt="0"/>
+    <dgm:pt modelId="{BB370202-54E4-4D35-A094-5AD6C84F9290}" type="pres">
+      <dgm:prSet presAssocID="{AD335FB9-D0F3-4CB2-BEBC-EC5E7A1BCBE9}" presName="compNode" presStyleCnt="0"/>
       <dgm:spPr/>
     </dgm:pt>
-    <dgm:pt modelId="{FF93E135-77D6-48A0-8871-9BC93D705D06}" type="pres">
-      <dgm:prSet presAssocID="{1C383F32-22E8-4F62-A3E0-BDC3D5F48992}" presName="iconBgRect" presStyleLbl="bgShp" presStyleIdx="2" presStyleCnt="3"/>
+    <dgm:pt modelId="{AB54A143-F4C6-477A-B914-B856E48E431D}" type="pres">
+      <dgm:prSet presAssocID="{AD335FB9-D0F3-4CB2-BEBC-EC5E7A1BCBE9}" presName="iconBgRect" presStyleLbl="bgShp" presStyleIdx="2" presStyleCnt="4"/>
       <dgm:spPr/>
     </dgm:pt>
-    <dgm:pt modelId="{39509775-983E-4110-B989-EE2CD6514BE0}" type="pres">
-      <dgm:prSet presAssocID="{1C383F32-22E8-4F62-A3E0-BDC3D5F48992}" presName="iconRect" presStyleLbl="node1" presStyleIdx="2" presStyleCnt="3"/>
+    <dgm:pt modelId="{5DC1A57F-94CD-4BFC-9909-F5F63F01DB04}" type="pres">
+      <dgm:prSet presAssocID="{AD335FB9-D0F3-4CB2-BEBC-EC5E7A1BCBE9}" presName="iconRect" presStyleLbl="node1" presStyleIdx="2" presStyleCnt="4"/>
       <dgm:spPr>
         <a:blipFill>
           <a:blip xmlns:r="http://schemas.openxmlformats.org/officeDocument/2006/relationships" r:embed="rId5">
@@ -2826,6 +2898,57 @@
               </a:ext>
               <a:ext uri="{96DAC541-7B7A-43D3-8B79-37D633B846F1}">
                 <asvg:svgBlip xmlns:asvg="http://schemas.microsoft.com/office/drawing/2016/SVG/main" r:embed="rId6"/>
+              </a:ext>
+            </a:extLst>
+          </a:blip>
+          <a:srcRect/>
+          <a:stretch>
+            <a:fillRect/>
+          </a:stretch>
+        </a:blipFill>
+      </dgm:spPr>
+      <dgm:extLst>
+        <a:ext uri="{E40237B7-FDA0-4F09-8148-C483321AD2D9}">
+          <dgm14:cNvPr xmlns:dgm14="http://schemas.microsoft.com/office/drawing/2010/diagram" id="0" name="" descr="Scales of justice with solid fill"/>
+        </a:ext>
+      </dgm:extLst>
+    </dgm:pt>
+    <dgm:pt modelId="{2D7C6D63-15F2-44FB-A19B-59E4CE7BDB22}" type="pres">
+      <dgm:prSet presAssocID="{AD335FB9-D0F3-4CB2-BEBC-EC5E7A1BCBE9}" presName="spaceRect" presStyleCnt="0"/>
+      <dgm:spPr/>
+    </dgm:pt>
+    <dgm:pt modelId="{AC2ED899-F93A-4090-9EFF-C178B5529577}" type="pres">
+      <dgm:prSet presAssocID="{AD335FB9-D0F3-4CB2-BEBC-EC5E7A1BCBE9}" presName="textRect" presStyleLbl="revTx" presStyleIdx="2" presStyleCnt="4">
+        <dgm:presLayoutVars>
+          <dgm:chMax val="1"/>
+          <dgm:chPref val="1"/>
+        </dgm:presLayoutVars>
+      </dgm:prSet>
+      <dgm:spPr/>
+    </dgm:pt>
+    <dgm:pt modelId="{6FDE1B88-67F6-4D23-A4ED-2379D44F19B3}" type="pres">
+      <dgm:prSet presAssocID="{C2C1B746-0ABB-4DF0-BF5C-D82956FB54EA}" presName="sibTrans" presStyleCnt="0"/>
+      <dgm:spPr/>
+    </dgm:pt>
+    <dgm:pt modelId="{ECFA770B-DE2C-4683-A038-58D0FE44BC27}" type="pres">
+      <dgm:prSet presAssocID="{1C383F32-22E8-4F62-A3E0-BDC3D5F48992}" presName="compNode" presStyleCnt="0"/>
+      <dgm:spPr/>
+    </dgm:pt>
+    <dgm:pt modelId="{FF93E135-77D6-48A0-8871-9BC93D705D06}" type="pres">
+      <dgm:prSet presAssocID="{1C383F32-22E8-4F62-A3E0-BDC3D5F48992}" presName="iconBgRect" presStyleLbl="bgShp" presStyleIdx="3" presStyleCnt="4"/>
+      <dgm:spPr/>
+    </dgm:pt>
+    <dgm:pt modelId="{39509775-983E-4110-B989-EE2CD6514BE0}" type="pres">
+      <dgm:prSet presAssocID="{1C383F32-22E8-4F62-A3E0-BDC3D5F48992}" presName="iconRect" presStyleLbl="node1" presStyleIdx="3" presStyleCnt="4"/>
+      <dgm:spPr>
+        <a:blipFill>
+          <a:blip xmlns:r="http://schemas.openxmlformats.org/officeDocument/2006/relationships" r:embed="rId7">
+            <a:extLst>
+              <a:ext uri="{28A0092B-C50C-407E-A947-70E740481C1C}">
+                <a14:useLocalDpi xmlns:a14="http://schemas.microsoft.com/office/drawing/2010/main" val="0"/>
+              </a:ext>
+              <a:ext uri="{96DAC541-7B7A-43D3-8B79-37D633B846F1}">
+                <asvg:svgBlip xmlns:asvg="http://schemas.microsoft.com/office/drawing/2016/SVG/main" r:embed="rId8"/>
               </a:ext>
             </a:extLst>
           </a:blip>
@@ -2849,7 +2972,7 @@
       <dgm:spPr/>
     </dgm:pt>
     <dgm:pt modelId="{1AEDC777-00B3-41D7-9AE1-23D741E941C3}" type="pres">
-      <dgm:prSet presAssocID="{1C383F32-22E8-4F62-A3E0-BDC3D5F48992}" presName="textRect" presStyleLbl="revTx" presStyleIdx="2" presStyleCnt="3">
+      <dgm:prSet presAssocID="{1C383F32-22E8-4F62-A3E0-BDC3D5F48992}" presName="textRect" presStyleLbl="revTx" presStyleIdx="3" presStyleCnt="4">
         <dgm:presLayoutVars>
           <dgm:chMax val="1"/>
           <dgm:chPref val="1"/>
@@ -2864,8 +2987,10 @@
     <dgm:cxn modelId="{C7AD8469-3C68-4AF9-AB82-79B0043AA120}" srcId="{01A66772-F185-4D58-B8BB-E9370D7A7A2B}" destId="{40FC4FFE-8987-4A26-B7F4-8A516F18ADAE}" srcOrd="0" destOrd="0" parTransId="{CAD7EF86-FB23-41F6-BF42-040B36DEFDB1}" sibTransId="{5B62599A-5C9B-48E7-896E-EA782AC60C8B}"/>
     <dgm:cxn modelId="{676D3A6A-6EA7-4483-BB12-0BD4A7D7AF9D}" type="presOf" srcId="{01A66772-F185-4D58-B8BB-E9370D7A7A2B}" destId="{50B3CE7C-E10B-4E23-BD93-03664997C932}" srcOrd="0" destOrd="0" presId="urn:microsoft.com/office/officeart/2018/5/layout/IconCircleLabelList"/>
     <dgm:cxn modelId="{1496FC70-DB8B-48D4-98DE-DD2856E389EE}" type="presOf" srcId="{1C383F32-22E8-4F62-A3E0-BDC3D5F48992}" destId="{1AEDC777-00B3-41D7-9AE1-23D741E941C3}" srcOrd="0" destOrd="0" presId="urn:microsoft.com/office/officeart/2018/5/layout/IconCircleLabelList"/>
-    <dgm:cxn modelId="{C4CCE57E-E871-46D6-BAD5-880252C95D22}" srcId="{01A66772-F185-4D58-B8BB-E9370D7A7A2B}" destId="{1C383F32-22E8-4F62-A3E0-BDC3D5F48992}" srcOrd="2" destOrd="0" parTransId="{A7920A2F-3244-4159-AF04-6A1D38B7B317}" sibTransId="{8500F72A-2C6D-4FDF-9C1D-CA691380EB0B}"/>
+    <dgm:cxn modelId="{C4CCE57E-E871-46D6-BAD5-880252C95D22}" srcId="{01A66772-F185-4D58-B8BB-E9370D7A7A2B}" destId="{1C383F32-22E8-4F62-A3E0-BDC3D5F48992}" srcOrd="3" destOrd="0" parTransId="{A7920A2F-3244-4159-AF04-6A1D38B7B317}" sibTransId="{8500F72A-2C6D-4FDF-9C1D-CA691380EB0B}"/>
+    <dgm:cxn modelId="{A6E14D9A-DE05-4BCF-8CD8-5FC20311EE0B}" type="presOf" srcId="{AD335FB9-D0F3-4CB2-BEBC-EC5E7A1BCBE9}" destId="{AC2ED899-F93A-4090-9EFF-C178B5529577}" srcOrd="0" destOrd="0" presId="urn:microsoft.com/office/officeart/2018/5/layout/IconCircleLabelList"/>
     <dgm:cxn modelId="{355227E3-55E0-4343-BC8D-FC0EB1694F48}" type="presOf" srcId="{40FC4FFE-8987-4A26-B7F4-8A516F18ADAE}" destId="{127117FB-F8A7-4A20-A8A7-EC686DDC76D0}" srcOrd="0" destOrd="0" presId="urn:microsoft.com/office/officeart/2018/5/layout/IconCircleLabelList"/>
+    <dgm:cxn modelId="{6C6F03E8-7932-4C95-B5E7-9729A047BF67}" srcId="{01A66772-F185-4D58-B8BB-E9370D7A7A2B}" destId="{AD335FB9-D0F3-4CB2-BEBC-EC5E7A1BCBE9}" srcOrd="2" destOrd="0" parTransId="{F0F201D9-D215-4B76-A595-DFFAD3E0441F}" sibTransId="{C2C1B746-0ABB-4DF0-BF5C-D82956FB54EA}"/>
     <dgm:cxn modelId="{555498CB-3ED1-404E-A25F-EB243EFC5FB1}" type="presParOf" srcId="{50B3CE7C-E10B-4E23-BD93-03664997C932}" destId="{DE9CE479-E4AE-4283-AEF1-10C1535B4324}" srcOrd="0" destOrd="0" presId="urn:microsoft.com/office/officeart/2018/5/layout/IconCircleLabelList"/>
     <dgm:cxn modelId="{11F12D49-CD08-4D50-BD13-3ECBC3A476A4}" type="presParOf" srcId="{DE9CE479-E4AE-4283-AEF1-10C1535B4324}" destId="{B59FCF02-CAD2-4D6F-9542-AD86711168CA}" srcOrd="0" destOrd="0" presId="urn:microsoft.com/office/officeart/2018/5/layout/IconCircleLabelList"/>
     <dgm:cxn modelId="{F443A659-540B-487B-97F9-49219CF60D6B}" type="presParOf" srcId="{DE9CE479-E4AE-4283-AEF1-10C1535B4324}" destId="{7C175B98-93F4-4D7C-BB95-1514AB879CD5}" srcOrd="1" destOrd="0" presId="urn:microsoft.com/office/officeart/2018/5/layout/IconCircleLabelList"/>
@@ -2878,7 +3003,13 @@
     <dgm:cxn modelId="{AD1AB552-CCE0-4911-BB9E-5D4A60B21F4F}" type="presParOf" srcId="{C998AB0A-577D-44AA-A068-F634DDE7BD47}" destId="{9B0C8FBF-0BDD-48A5-967E-F3FE71659F6A}" srcOrd="2" destOrd="0" presId="urn:microsoft.com/office/officeart/2018/5/layout/IconCircleLabelList"/>
     <dgm:cxn modelId="{8558F796-2D01-40FE-A21A-7530EEBC3BC3}" type="presParOf" srcId="{C998AB0A-577D-44AA-A068-F634DDE7BD47}" destId="{7E6FE37A-5DB0-4899-9FCB-0CE39BC185F8}" srcOrd="3" destOrd="0" presId="urn:microsoft.com/office/officeart/2018/5/layout/IconCircleLabelList"/>
     <dgm:cxn modelId="{1532E2BE-82E9-40A4-A6F7-40B60FC879AE}" type="presParOf" srcId="{50B3CE7C-E10B-4E23-BD93-03664997C932}" destId="{5A266296-0042-402F-92EF-D59AB148E92E}" srcOrd="3" destOrd="0" presId="urn:microsoft.com/office/officeart/2018/5/layout/IconCircleLabelList"/>
-    <dgm:cxn modelId="{3A7F4DB9-1469-4F58-B633-24B7EEE084D1}" type="presParOf" srcId="{50B3CE7C-E10B-4E23-BD93-03664997C932}" destId="{ECFA770B-DE2C-4683-A038-58D0FE44BC27}" srcOrd="4" destOrd="0" presId="urn:microsoft.com/office/officeart/2018/5/layout/IconCircleLabelList"/>
+    <dgm:cxn modelId="{251F28C0-9354-4F40-80DA-F16E31B5E2A9}" type="presParOf" srcId="{50B3CE7C-E10B-4E23-BD93-03664997C932}" destId="{BB370202-54E4-4D35-A094-5AD6C84F9290}" srcOrd="4" destOrd="0" presId="urn:microsoft.com/office/officeart/2018/5/layout/IconCircleLabelList"/>
+    <dgm:cxn modelId="{DABBA856-3890-4290-8CFD-F07B18BD9897}" type="presParOf" srcId="{BB370202-54E4-4D35-A094-5AD6C84F9290}" destId="{AB54A143-F4C6-477A-B914-B856E48E431D}" srcOrd="0" destOrd="0" presId="urn:microsoft.com/office/officeart/2018/5/layout/IconCircleLabelList"/>
+    <dgm:cxn modelId="{2559952B-CDDD-4EB6-9D4E-51C2A4192C61}" type="presParOf" srcId="{BB370202-54E4-4D35-A094-5AD6C84F9290}" destId="{5DC1A57F-94CD-4BFC-9909-F5F63F01DB04}" srcOrd="1" destOrd="0" presId="urn:microsoft.com/office/officeart/2018/5/layout/IconCircleLabelList"/>
+    <dgm:cxn modelId="{F6D2DB31-7A1A-4487-9C09-655D1E4EF571}" type="presParOf" srcId="{BB370202-54E4-4D35-A094-5AD6C84F9290}" destId="{2D7C6D63-15F2-44FB-A19B-59E4CE7BDB22}" srcOrd="2" destOrd="0" presId="urn:microsoft.com/office/officeart/2018/5/layout/IconCircleLabelList"/>
+    <dgm:cxn modelId="{DB6034B3-DD7C-455F-BE39-03A9231156F1}" type="presParOf" srcId="{BB370202-54E4-4D35-A094-5AD6C84F9290}" destId="{AC2ED899-F93A-4090-9EFF-C178B5529577}" srcOrd="3" destOrd="0" presId="urn:microsoft.com/office/officeart/2018/5/layout/IconCircleLabelList"/>
+    <dgm:cxn modelId="{43F9B0F0-35AA-43B5-9495-0D98DA30DA86}" type="presParOf" srcId="{50B3CE7C-E10B-4E23-BD93-03664997C932}" destId="{6FDE1B88-67F6-4D23-A4ED-2379D44F19B3}" srcOrd="5" destOrd="0" presId="urn:microsoft.com/office/officeart/2018/5/layout/IconCircleLabelList"/>
+    <dgm:cxn modelId="{3A7F4DB9-1469-4F58-B633-24B7EEE084D1}" type="presParOf" srcId="{50B3CE7C-E10B-4E23-BD93-03664997C932}" destId="{ECFA770B-DE2C-4683-A038-58D0FE44BC27}" srcOrd="6" destOrd="0" presId="urn:microsoft.com/office/officeart/2018/5/layout/IconCircleLabelList"/>
     <dgm:cxn modelId="{91311827-CDAC-4BA8-B4A3-117AFD1CEE2D}" type="presParOf" srcId="{ECFA770B-DE2C-4683-A038-58D0FE44BC27}" destId="{FF93E135-77D6-48A0-8871-9BC93D705D06}" srcOrd="0" destOrd="0" presId="urn:microsoft.com/office/officeart/2018/5/layout/IconCircleLabelList"/>
     <dgm:cxn modelId="{83B7CA40-11B7-4507-8422-A40F02D469B2}" type="presParOf" srcId="{ECFA770B-DE2C-4683-A038-58D0FE44BC27}" destId="{39509775-983E-4110-B989-EE2CD6514BE0}" srcOrd="1" destOrd="0" presId="urn:microsoft.com/office/officeart/2018/5/layout/IconCircleLabelList"/>
     <dgm:cxn modelId="{A44BB251-01EB-4DEF-A28C-6D495183E4DC}" type="presParOf" srcId="{ECFA770B-DE2C-4683-A038-58D0FE44BC27}" destId="{493B43B2-705C-4AE5-8A77-D8DEEDA1B5CF}" srcOrd="2" destOrd="0" presId="urn:microsoft.com/office/officeart/2018/5/layout/IconCircleLabelList"/>
@@ -2958,14 +3089,11 @@
         <a:lstStyle/>
         <a:p>
           <a:r>
-            <a:rPr lang="en-US" sz="1800">
+            <a:rPr lang="en-US" sz="1700" dirty="0">
               <a:latin typeface="Arial Nova" panose="020B0504020202020204" pitchFamily="34" charset="0"/>
             </a:rPr>
             <a:t>Mint an NFT to be auctioned off.</a:t>
           </a:r>
-          <a:endParaRPr lang="en-US" sz="1800" dirty="0">
-            <a:latin typeface="Arial Nova" panose="020B0504020202020204" pitchFamily="34" charset="0"/>
-          </a:endParaRPr>
         </a:p>
       </dgm:t>
     </dgm:pt>
@@ -3003,14 +3131,11 @@
         <a:lstStyle/>
         <a:p>
           <a:r>
-            <a:rPr lang="en-US" sz="1800">
+            <a:rPr lang="en-US" sz="1700" dirty="0">
               <a:latin typeface="Arial Nova" panose="020B0504020202020204" pitchFamily="34" charset="0"/>
             </a:rPr>
             <a:t>Set the auction start time</a:t>
           </a:r>
-          <a:endParaRPr lang="en-US" sz="1800" dirty="0">
-            <a:latin typeface="Arial Nova" panose="020B0504020202020204" pitchFamily="34" charset="0"/>
-          </a:endParaRPr>
         </a:p>
       </dgm:t>
     </dgm:pt>
@@ -3220,14 +3345,11 @@
             <a:buChar char="Ø"/>
           </a:pPr>
           <a:r>
-            <a:rPr lang="en-US" sz="1400" b="0">
+            <a:rPr lang="en-US" sz="1200" b="0" dirty="0">
               <a:latin typeface="Arial Nova" panose="020B0504020202020204" pitchFamily="34" charset="0"/>
             </a:rPr>
-            <a:t>Can contain an NFT itself, or some other proof of ownership for a physical item.</a:t>
+            <a:t>Can contain an NFT itself, or some other proof of ownership for a physical item stored on IPFS.</a:t>
           </a:r>
-          <a:endParaRPr lang="en-US" sz="1400" b="0" dirty="0">
-            <a:latin typeface="Arial Nova" panose="020B0504020202020204" pitchFamily="34" charset="0"/>
-          </a:endParaRPr>
         </a:p>
       </dgm:t>
     </dgm:pt>
@@ -3265,14 +3387,11 @@
         <a:lstStyle/>
         <a:p>
           <a:r>
-            <a:rPr lang="en-US" sz="1800">
+            <a:rPr lang="en-US" sz="1700" dirty="0">
               <a:latin typeface="Arial Nova" panose="020B0504020202020204" pitchFamily="34" charset="0"/>
             </a:rPr>
             <a:t>Set the auction duration (default is 6 hours).</a:t>
           </a:r>
-          <a:endParaRPr lang="en-US" sz="1800" dirty="0">
-            <a:latin typeface="Arial Nova" panose="020B0504020202020204" pitchFamily="34" charset="0"/>
-          </a:endParaRPr>
         </a:p>
       </dgm:t>
     </dgm:pt>
@@ -3310,14 +3429,11 @@
         <a:lstStyle/>
         <a:p>
           <a:r>
-            <a:rPr lang="en-US" sz="1800">
+            <a:rPr lang="en-US" sz="1700" dirty="0">
               <a:latin typeface="Arial Nova" panose="020B0504020202020204" pitchFamily="34" charset="0"/>
             </a:rPr>
             <a:t>Set the auction starting bid.</a:t>
           </a:r>
-          <a:endParaRPr lang="en-US" sz="1800" dirty="0">
-            <a:latin typeface="Arial Nova" panose="020B0504020202020204" pitchFamily="34" charset="0"/>
-          </a:endParaRPr>
         </a:p>
       </dgm:t>
     </dgm:pt>
@@ -3397,7 +3513,7 @@
         <a:bodyPr/>
         <a:lstStyle/>
         <a:p>
-          <a:endParaRPr lang="en-US" sz="1800" dirty="0">
+          <a:endParaRPr lang="en-US" sz="1700" dirty="0">
             <a:latin typeface="Arial Nova" panose="020B0504020202020204" pitchFamily="34" charset="0"/>
           </a:endParaRPr>
         </a:p>
@@ -3436,7 +3552,7 @@
         <a:bodyPr/>
         <a:lstStyle/>
         <a:p>
-          <a:endParaRPr lang="en-US" sz="1800" dirty="0">
+          <a:endParaRPr lang="en-US" sz="1700" dirty="0">
             <a:latin typeface="Arial Nova" panose="020B0504020202020204" pitchFamily="34" charset="0"/>
           </a:endParaRPr>
         </a:p>
@@ -3641,7 +3757,19 @@
             <a:rPr lang="en-US" dirty="0">
               <a:latin typeface="Arial Nova" panose="020B0504020202020204" pitchFamily="34" charset="0"/>
             </a:rPr>
-            <a:t> Anytime a bidder gets out-bid by another user, their funds are automatically returned to them.  This creates no need to return any funds to losers at the end of the auction.</a:t>
+            <a:t>All </a:t>
+          </a:r>
+          <a:r>
+            <a:rPr lang="en-US" dirty="0" err="1">
+              <a:latin typeface="Arial Nova" panose="020B0504020202020204" pitchFamily="34" charset="0"/>
+            </a:rPr>
+            <a:t>bidded</a:t>
+          </a:r>
+          <a:r>
+            <a:rPr lang="en-US" dirty="0">
+              <a:latin typeface="Arial Nova" panose="020B0504020202020204" pitchFamily="34" charset="0"/>
+            </a:rPr>
+            <a:t> funds will be returned to the losing bidders.</a:t>
           </a:r>
         </a:p>
       </dgm:t>
@@ -3817,7 +3945,7 @@
       <dgm:spPr/>
     </dgm:pt>
     <dgm:pt modelId="{2634F61E-01CF-41A1-8C4E-DC45AC65FF86}" type="pres">
-      <dgm:prSet presAssocID="{2A640482-6BB1-4C79-AE3B-19EE27CAA8D1}" presName="desTx" presStyleLbl="alignAccFollowNode1" presStyleIdx="0" presStyleCnt="3">
+      <dgm:prSet presAssocID="{2A640482-6BB1-4C79-AE3B-19EE27CAA8D1}" presName="desTx" presStyleLbl="alignAccFollowNode1" presStyleIdx="0" presStyleCnt="3" custLinFactNeighborX="-103" custLinFactNeighborY="-772">
         <dgm:presLayoutVars>
           <dgm:bulletEnabled val="1"/>
         </dgm:presLayoutVars>
@@ -4162,8 +4290,8 @@
       </dsp:nvSpPr>
       <dsp:spPr>
         <a:xfrm>
-          <a:off x="616949" y="175426"/>
-          <a:ext cx="1818562" cy="1818562"/>
+          <a:off x="774129" y="297075"/>
+          <a:ext cx="1255425" cy="1255425"/>
         </a:xfrm>
         <a:prstGeom prst="ellipse">
           <a:avLst/>
@@ -4201,8 +4329,8 @@
       </dsp:nvSpPr>
       <dsp:spPr>
         <a:xfrm>
-          <a:off x="1004512" y="562989"/>
-          <a:ext cx="1043437" cy="1043437"/>
+          <a:off x="1041679" y="564625"/>
+          <a:ext cx="720326" cy="720326"/>
         </a:xfrm>
         <a:prstGeom prst="rect">
           <a:avLst/>
@@ -4251,8 +4379,8 @@
       </dsp:nvSpPr>
       <dsp:spPr>
         <a:xfrm>
-          <a:off x="35606" y="2560426"/>
-          <a:ext cx="2981250" cy="989758"/>
+          <a:off x="372805" y="1943536"/>
+          <a:ext cx="2058075" cy="1485000"/>
         </a:xfrm>
         <a:prstGeom prst="rect">
           <a:avLst/>
@@ -4304,8 +4432,8 @@
         </a:p>
       </dsp:txBody>
       <dsp:txXfrm>
-        <a:off x="35606" y="2560426"/>
-        <a:ext cx="2981250" cy="989758"/>
+        <a:off x="372805" y="1943536"/>
+        <a:ext cx="2058075" cy="1485000"/>
       </dsp:txXfrm>
     </dsp:sp>
     <dsp:sp modelId="{BCD8CDD9-0C56-4401-ADB1-8B48DAB2C96F}">
@@ -4315,8 +4443,8 @@
       </dsp:nvSpPr>
       <dsp:spPr>
         <a:xfrm>
-          <a:off x="4119918" y="175426"/>
-          <a:ext cx="1818562" cy="1818562"/>
+          <a:off x="3192368" y="297075"/>
+          <a:ext cx="1255425" cy="1255425"/>
         </a:xfrm>
         <a:prstGeom prst="ellipse">
           <a:avLst/>
@@ -4354,8 +4482,8 @@
       </dsp:nvSpPr>
       <dsp:spPr>
         <a:xfrm>
-          <a:off x="4507481" y="562989"/>
-          <a:ext cx="1043437" cy="1043437"/>
+          <a:off x="3459917" y="564625"/>
+          <a:ext cx="720326" cy="720326"/>
         </a:xfrm>
         <a:prstGeom prst="rect">
           <a:avLst/>
@@ -4401,8 +4529,8 @@
       </dsp:nvSpPr>
       <dsp:spPr>
         <a:xfrm>
-          <a:off x="3538574" y="2560426"/>
-          <a:ext cx="2981250" cy="989758"/>
+          <a:off x="2791043" y="1943536"/>
+          <a:ext cx="2058075" cy="1485000"/>
         </a:xfrm>
         <a:prstGeom prst="rect">
           <a:avLst/>
@@ -4468,19 +4596,19 @@
         </a:p>
       </dsp:txBody>
       <dsp:txXfrm>
-        <a:off x="3538574" y="2560426"/>
-        <a:ext cx="2981250" cy="989758"/>
+        <a:off x="2791043" y="1943536"/>
+        <a:ext cx="2058075" cy="1485000"/>
       </dsp:txXfrm>
     </dsp:sp>
-    <dsp:sp modelId="{FF93E135-77D6-48A0-8871-9BC93D705D06}">
+    <dsp:sp modelId="{AB54A143-F4C6-477A-B914-B856E48E431D}">
       <dsp:nvSpPr>
         <dsp:cNvPr id="0" name=""/>
         <dsp:cNvSpPr/>
       </dsp:nvSpPr>
       <dsp:spPr>
         <a:xfrm>
-          <a:off x="7622887" y="175426"/>
-          <a:ext cx="1818562" cy="1818562"/>
+          <a:off x="5610606" y="297075"/>
+          <a:ext cx="1255425" cy="1255425"/>
         </a:xfrm>
         <a:prstGeom prst="ellipse">
           <a:avLst/>
@@ -4511,15 +4639,15 @@
         <a:fontRef idx="minor"/>
       </dsp:style>
     </dsp:sp>
-    <dsp:sp modelId="{39509775-983E-4110-B989-EE2CD6514BE0}">
+    <dsp:sp modelId="{5DC1A57F-94CD-4BFC-9909-F5F63F01DB04}">
       <dsp:nvSpPr>
         <dsp:cNvPr id="0" name=""/>
         <dsp:cNvSpPr/>
       </dsp:nvSpPr>
       <dsp:spPr>
         <a:xfrm>
-          <a:off x="8010450" y="562989"/>
-          <a:ext cx="1043437" cy="1043437"/>
+          <a:off x="5878155" y="564625"/>
+          <a:ext cx="720326" cy="720326"/>
         </a:xfrm>
         <a:prstGeom prst="rect">
           <a:avLst/>
@@ -4541,7 +4669,15 @@
           </a:stretch>
         </a:blipFill>
         <a:ln w="12700" cap="flat" cmpd="sng" algn="ctr">
-          <a:noFill/>
+          <a:solidFill>
+            <a:schemeClr val="lt1">
+              <a:alpha val="0"/>
+              <a:hueOff val="0"/>
+              <a:satOff val="0"/>
+              <a:lumOff val="0"/>
+              <a:alphaOff val="0"/>
+            </a:schemeClr>
+          </a:solidFill>
           <a:prstDash val="solid"/>
         </a:ln>
         <a:effectLst/>
@@ -4561,15 +4697,15 @@
         </a:fontRef>
       </dsp:style>
     </dsp:sp>
-    <dsp:sp modelId="{1AEDC777-00B3-41D7-9AE1-23D741E941C3}">
+    <dsp:sp modelId="{AC2ED899-F93A-4090-9EFF-C178B5529577}">
       <dsp:nvSpPr>
         <dsp:cNvPr id="0" name=""/>
         <dsp:cNvSpPr/>
       </dsp:nvSpPr>
       <dsp:spPr>
         <a:xfrm>
-          <a:off x="7041543" y="2560426"/>
-          <a:ext cx="2981250" cy="989758"/>
+          <a:off x="5209281" y="1943536"/>
+          <a:ext cx="2058075" cy="1485000"/>
         </a:xfrm>
         <a:prstGeom prst="rect">
           <a:avLst/>
@@ -4616,13 +4752,181 @@
               <a:latin typeface="Arial Nova" panose="020B0504020202020204" pitchFamily="34" charset="0"/>
               <a:cs typeface="Times New Roman" panose="02020603050405020304" pitchFamily="18" charset="0"/>
             </a:rPr>
-            <a:t>Auction winners receive an NFT that contains the auctioned NFT or auctioned item proof of ownership</a:t>
+            <a:t>Both the seller and buyer are </a:t>
+          </a:r>
+          <a:r>
+            <a:rPr lang="en-US" sz="1600" kern="1200" cap="none" baseline="0" dirty="0" err="1">
+              <a:latin typeface="Arial Nova" panose="020B0504020202020204" pitchFamily="34" charset="0"/>
+              <a:cs typeface="Times New Roman" panose="02020603050405020304" pitchFamily="18" charset="0"/>
+            </a:rPr>
+            <a:t>incentized</a:t>
+          </a:r>
+          <a:r>
+            <a:rPr lang="en-US" sz="1600" kern="1200" cap="none" baseline="0" dirty="0">
+              <a:latin typeface="Arial Nova" panose="020B0504020202020204" pitchFamily="34" charset="0"/>
+              <a:cs typeface="Times New Roman" panose="02020603050405020304" pitchFamily="18" charset="0"/>
+            </a:rPr>
+            <a:t> to act in good faith by the staking of Tulips</a:t>
+          </a:r>
+          <a:endParaRPr lang="en-US" sz="1600" kern="1200" dirty="0"/>
+        </a:p>
+      </dsp:txBody>
+      <dsp:txXfrm>
+        <a:off x="5209281" y="1943536"/>
+        <a:ext cx="2058075" cy="1485000"/>
+      </dsp:txXfrm>
+    </dsp:sp>
+    <dsp:sp modelId="{FF93E135-77D6-48A0-8871-9BC93D705D06}">
+      <dsp:nvSpPr>
+        <dsp:cNvPr id="0" name=""/>
+        <dsp:cNvSpPr/>
+      </dsp:nvSpPr>
+      <dsp:spPr>
+        <a:xfrm>
+          <a:off x="8028844" y="297075"/>
+          <a:ext cx="1255425" cy="1255425"/>
+        </a:xfrm>
+        <a:prstGeom prst="ellipse">
+          <a:avLst/>
+        </a:prstGeom>
+        <a:solidFill>
+          <a:schemeClr val="accent5">
+            <a:hueOff val="0"/>
+            <a:satOff val="0"/>
+            <a:lumOff val="0"/>
+            <a:alphaOff val="0"/>
+          </a:schemeClr>
+        </a:solidFill>
+        <a:ln>
+          <a:noFill/>
+        </a:ln>
+        <a:effectLst/>
+      </dsp:spPr>
+      <dsp:style>
+        <a:lnRef idx="0">
+          <a:scrgbClr r="0" g="0" b="0"/>
+        </a:lnRef>
+        <a:fillRef idx="1">
+          <a:scrgbClr r="0" g="0" b="0"/>
+        </a:fillRef>
+        <a:effectRef idx="0">
+          <a:scrgbClr r="0" g="0" b="0"/>
+        </a:effectRef>
+        <a:fontRef idx="minor"/>
+      </dsp:style>
+    </dsp:sp>
+    <dsp:sp modelId="{39509775-983E-4110-B989-EE2CD6514BE0}">
+      <dsp:nvSpPr>
+        <dsp:cNvPr id="0" name=""/>
+        <dsp:cNvSpPr/>
+      </dsp:nvSpPr>
+      <dsp:spPr>
+        <a:xfrm>
+          <a:off x="8296394" y="564625"/>
+          <a:ext cx="720326" cy="720326"/>
+        </a:xfrm>
+        <a:prstGeom prst="rect">
+          <a:avLst/>
+        </a:prstGeom>
+        <a:blipFill>
+          <a:blip xmlns:r="http://schemas.openxmlformats.org/officeDocument/2006/relationships" r:embed="rId7">
+            <a:extLst>
+              <a:ext uri="{28A0092B-C50C-407E-A947-70E740481C1C}">
+                <a14:useLocalDpi xmlns:a14="http://schemas.microsoft.com/office/drawing/2010/main" val="0"/>
+              </a:ext>
+              <a:ext uri="{96DAC541-7B7A-43D3-8B79-37D633B846F1}">
+                <asvg:svgBlip xmlns:asvg="http://schemas.microsoft.com/office/drawing/2016/SVG/main" r:embed="rId8"/>
+              </a:ext>
+            </a:extLst>
+          </a:blip>
+          <a:srcRect/>
+          <a:stretch>
+            <a:fillRect/>
+          </a:stretch>
+        </a:blipFill>
+        <a:ln w="12700" cap="flat" cmpd="sng" algn="ctr">
+          <a:noFill/>
+          <a:prstDash val="solid"/>
+        </a:ln>
+        <a:effectLst/>
+      </dsp:spPr>
+      <dsp:style>
+        <a:lnRef idx="2">
+          <a:scrgbClr r="0" g="0" b="0"/>
+        </a:lnRef>
+        <a:fillRef idx="1">
+          <a:scrgbClr r="0" g="0" b="0"/>
+        </a:fillRef>
+        <a:effectRef idx="0">
+          <a:scrgbClr r="0" g="0" b="0"/>
+        </a:effectRef>
+        <a:fontRef idx="minor">
+          <a:schemeClr val="lt1"/>
+        </a:fontRef>
+      </dsp:style>
+    </dsp:sp>
+    <dsp:sp modelId="{1AEDC777-00B3-41D7-9AE1-23D741E941C3}">
+      <dsp:nvSpPr>
+        <dsp:cNvPr id="0" name=""/>
+        <dsp:cNvSpPr/>
+      </dsp:nvSpPr>
+      <dsp:spPr>
+        <a:xfrm>
+          <a:off x="7627519" y="1943536"/>
+          <a:ext cx="2058075" cy="1485000"/>
+        </a:xfrm>
+        <a:prstGeom prst="rect">
+          <a:avLst/>
+        </a:prstGeom>
+        <a:noFill/>
+        <a:ln>
+          <a:noFill/>
+        </a:ln>
+        <a:effectLst/>
+      </dsp:spPr>
+      <dsp:style>
+        <a:lnRef idx="0">
+          <a:scrgbClr r="0" g="0" b="0"/>
+        </a:lnRef>
+        <a:fillRef idx="0">
+          <a:scrgbClr r="0" g="0" b="0"/>
+        </a:fillRef>
+        <a:effectRef idx="0">
+          <a:scrgbClr r="0" g="0" b="0"/>
+        </a:effectRef>
+        <a:fontRef idx="minor"/>
+      </dsp:style>
+      <dsp:txBody>
+        <a:bodyPr spcFirstLastPara="0" vert="horz" wrap="square" lIns="0" tIns="0" rIns="0" bIns="0" numCol="1" spcCol="1270" anchor="t" anchorCtr="0">
+          <a:noAutofit/>
+        </a:bodyPr>
+        <a:lstStyle/>
+        <a:p>
+          <a:pPr marL="0" lvl="0" indent="0" algn="ctr" defTabSz="711200">
+            <a:lnSpc>
+              <a:spcPct val="100000"/>
+            </a:lnSpc>
+            <a:spcBef>
+              <a:spcPct val="0"/>
+            </a:spcBef>
+            <a:spcAft>
+              <a:spcPct val="35000"/>
+            </a:spcAft>
+            <a:buNone/>
+            <a:defRPr cap="all"/>
+          </a:pPr>
+          <a:r>
+            <a:rPr lang="en-US" sz="1600" kern="1200" cap="none" baseline="0" dirty="0">
+              <a:latin typeface="Arial Nova" panose="020B0504020202020204" pitchFamily="34" charset="0"/>
+              <a:cs typeface="Times New Roman" panose="02020603050405020304" pitchFamily="18" charset="0"/>
+            </a:rPr>
+            <a:t>Auction winners receive an NFT that contains the auctioned item’s proof of ownership</a:t>
           </a:r>
         </a:p>
       </dsp:txBody>
       <dsp:txXfrm>
-        <a:off x="7041543" y="2560426"/>
-        <a:ext cx="2981250" cy="989758"/>
+        <a:off x="7627519" y="1943536"/>
+        <a:ext cx="2058075" cy="1485000"/>
       </dsp:txXfrm>
     </dsp:sp>
   </dsp:spTree>
@@ -4644,7 +4948,7 @@
       </dsp:nvSpPr>
       <dsp:spPr>
         <a:xfrm>
-          <a:off x="3143" y="60742"/>
+          <a:off x="3143" y="207299"/>
           <a:ext cx="3064668" cy="489600"/>
         </a:xfrm>
         <a:prstGeom prst="rect">
@@ -4712,7 +5016,7 @@
         </a:p>
       </dsp:txBody>
       <dsp:txXfrm>
-        <a:off x="3143" y="60742"/>
+        <a:off x="3143" y="207299"/>
         <a:ext cx="3064668" cy="489600"/>
       </dsp:txXfrm>
     </dsp:sp>
@@ -4723,8 +5027,8 @@
       </dsp:nvSpPr>
       <dsp:spPr>
         <a:xfrm>
-          <a:off x="3143" y="550342"/>
-          <a:ext cx="3064668" cy="4239223"/>
+          <a:off x="0" y="666436"/>
+          <a:ext cx="3064668" cy="3946109"/>
         </a:xfrm>
         <a:prstGeom prst="rect">
           <a:avLst/>
@@ -4767,12 +5071,12 @@
         <a:fontRef idx="minor"/>
       </dsp:style>
       <dsp:txBody>
-        <a:bodyPr spcFirstLastPara="0" vert="horz" wrap="square" lIns="96012" tIns="96012" rIns="128016" bIns="144018" numCol="1" spcCol="1270" anchor="t" anchorCtr="0">
+        <a:bodyPr spcFirstLastPara="0" vert="horz" wrap="square" lIns="90678" tIns="90678" rIns="120904" bIns="136017" numCol="1" spcCol="1270" anchor="t" anchorCtr="0">
           <a:noAutofit/>
         </a:bodyPr>
         <a:lstStyle/>
         <a:p>
-          <a:pPr marL="171450" lvl="1" indent="-171450" algn="l" defTabSz="800100">
+          <a:pPr marL="171450" lvl="1" indent="-171450" algn="l" defTabSz="755650">
             <a:lnSpc>
               <a:spcPct val="90000"/>
             </a:lnSpc>
@@ -4785,17 +5089,14 @@
             <a:buChar char="•"/>
           </a:pPr>
           <a:r>
-            <a:rPr lang="en-US" sz="1800" kern="1200">
+            <a:rPr lang="en-US" sz="1700" kern="1200" dirty="0">
               <a:latin typeface="Arial Nova" panose="020B0504020202020204" pitchFamily="34" charset="0"/>
             </a:rPr>
             <a:t>Mint an NFT to be auctioned off.</a:t>
           </a:r>
-          <a:endParaRPr lang="en-US" sz="1800" kern="1200" dirty="0">
-            <a:latin typeface="Arial Nova" panose="020B0504020202020204" pitchFamily="34" charset="0"/>
-          </a:endParaRPr>
         </a:p>
         <a:p>
-          <a:pPr marL="228600" lvl="2" indent="-114300" algn="l" defTabSz="622300">
+          <a:pPr marL="228600" lvl="2" indent="-114300" algn="l" defTabSz="533400">
             <a:lnSpc>
               <a:spcPct val="90000"/>
             </a:lnSpc>
@@ -4809,14 +5110,11 @@
             <a:buChar char="Ø"/>
           </a:pPr>
           <a:r>
-            <a:rPr lang="en-US" sz="1400" b="0" kern="1200">
+            <a:rPr lang="en-US" sz="1200" b="0" kern="1200" dirty="0">
               <a:latin typeface="Arial Nova" panose="020B0504020202020204" pitchFamily="34" charset="0"/>
             </a:rPr>
-            <a:t>Can contain an NFT itself, or some other proof of ownership for a physical item.</a:t>
+            <a:t>Can contain an NFT itself, or some other proof of ownership for a physical item stored on IPFS.</a:t>
           </a:r>
-          <a:endParaRPr lang="en-US" sz="1400" b="0" kern="1200" dirty="0">
-            <a:latin typeface="Arial Nova" panose="020B0504020202020204" pitchFamily="34" charset="0"/>
-          </a:endParaRPr>
         </a:p>
         <a:p>
           <a:pPr marL="228600" lvl="2" indent="-114300" algn="l" defTabSz="622300">
@@ -4837,7 +5135,7 @@
           </a:endParaRPr>
         </a:p>
         <a:p>
-          <a:pPr marL="171450" lvl="1" indent="-171450" algn="l" defTabSz="800100">
+          <a:pPr marL="171450" lvl="1" indent="-171450" algn="l" defTabSz="755650">
             <a:lnSpc>
               <a:spcPct val="90000"/>
             </a:lnSpc>
@@ -4850,17 +5148,14 @@
             <a:buChar char="•"/>
           </a:pPr>
           <a:r>
-            <a:rPr lang="en-US" sz="1800" kern="1200">
+            <a:rPr lang="en-US" sz="1700" kern="1200" dirty="0">
               <a:latin typeface="Arial Nova" panose="020B0504020202020204" pitchFamily="34" charset="0"/>
             </a:rPr>
             <a:t>Set the auction start time</a:t>
           </a:r>
-          <a:endParaRPr lang="en-US" sz="1800" kern="1200" dirty="0">
-            <a:latin typeface="Arial Nova" panose="020B0504020202020204" pitchFamily="34" charset="0"/>
-          </a:endParaRPr>
         </a:p>
         <a:p>
-          <a:pPr marL="171450" lvl="1" indent="-171450" algn="l" defTabSz="800100">
+          <a:pPr marL="171450" lvl="1" indent="-171450" algn="l" defTabSz="755650">
             <a:lnSpc>
               <a:spcPct val="90000"/>
             </a:lnSpc>
@@ -4872,12 +5167,12 @@
             </a:spcAft>
             <a:buChar char="•"/>
           </a:pPr>
-          <a:endParaRPr lang="en-US" sz="1800" kern="1200" dirty="0">
+          <a:endParaRPr lang="en-US" sz="1700" kern="1200" dirty="0">
             <a:latin typeface="Arial Nova" panose="020B0504020202020204" pitchFamily="34" charset="0"/>
           </a:endParaRPr>
         </a:p>
         <a:p>
-          <a:pPr marL="171450" lvl="1" indent="-171450" algn="l" defTabSz="800100">
+          <a:pPr marL="171450" lvl="1" indent="-171450" algn="l" defTabSz="755650">
             <a:lnSpc>
               <a:spcPct val="90000"/>
             </a:lnSpc>
@@ -4890,17 +5185,14 @@
             <a:buChar char="•"/>
           </a:pPr>
           <a:r>
-            <a:rPr lang="en-US" sz="1800" kern="1200">
+            <a:rPr lang="en-US" sz="1700" kern="1200" dirty="0">
               <a:latin typeface="Arial Nova" panose="020B0504020202020204" pitchFamily="34" charset="0"/>
             </a:rPr>
             <a:t>Set the auction starting bid.</a:t>
           </a:r>
-          <a:endParaRPr lang="en-US" sz="1800" kern="1200" dirty="0">
-            <a:latin typeface="Arial Nova" panose="020B0504020202020204" pitchFamily="34" charset="0"/>
-          </a:endParaRPr>
         </a:p>
         <a:p>
-          <a:pPr marL="171450" lvl="1" indent="-171450" algn="l" defTabSz="800100">
+          <a:pPr marL="171450" lvl="1" indent="-171450" algn="l" defTabSz="755650">
             <a:lnSpc>
               <a:spcPct val="90000"/>
             </a:lnSpc>
@@ -4912,12 +5204,12 @@
             </a:spcAft>
             <a:buChar char="•"/>
           </a:pPr>
-          <a:endParaRPr lang="en-US" sz="1800" kern="1200" dirty="0">
+          <a:endParaRPr lang="en-US" sz="1700" kern="1200" dirty="0">
             <a:latin typeface="Arial Nova" panose="020B0504020202020204" pitchFamily="34" charset="0"/>
           </a:endParaRPr>
         </a:p>
         <a:p>
-          <a:pPr marL="171450" lvl="1" indent="-171450" algn="l" defTabSz="800100">
+          <a:pPr marL="171450" lvl="1" indent="-171450" algn="l" defTabSz="755650">
             <a:lnSpc>
               <a:spcPct val="90000"/>
             </a:lnSpc>
@@ -4930,19 +5222,16 @@
             <a:buChar char="•"/>
           </a:pPr>
           <a:r>
-            <a:rPr lang="en-US" sz="1800" kern="1200">
+            <a:rPr lang="en-US" sz="1700" kern="1200" dirty="0">
               <a:latin typeface="Arial Nova" panose="020B0504020202020204" pitchFamily="34" charset="0"/>
             </a:rPr>
             <a:t>Set the auction duration (default is 6 hours).</a:t>
           </a:r>
-          <a:endParaRPr lang="en-US" sz="1800" kern="1200" dirty="0">
-            <a:latin typeface="Arial Nova" panose="020B0504020202020204" pitchFamily="34" charset="0"/>
-          </a:endParaRPr>
         </a:p>
       </dsp:txBody>
       <dsp:txXfrm>
-        <a:off x="3143" y="550342"/>
-        <a:ext cx="3064668" cy="4239223"/>
+        <a:off x="0" y="666436"/>
+        <a:ext cx="3064668" cy="3946109"/>
       </dsp:txXfrm>
     </dsp:sp>
     <dsp:sp modelId="{3AA91630-54E0-48CC-AD17-7E840671243E}">
@@ -4952,7 +5241,7 @@
       </dsp:nvSpPr>
       <dsp:spPr>
         <a:xfrm>
-          <a:off x="3496865" y="60742"/>
+          <a:off x="3496865" y="207299"/>
           <a:ext cx="3064668" cy="489600"/>
         </a:xfrm>
         <a:prstGeom prst="rect">
@@ -5020,7 +5309,7 @@
         </a:p>
       </dsp:txBody>
       <dsp:txXfrm>
-        <a:off x="3496865" y="60742"/>
+        <a:off x="3496865" y="207299"/>
         <a:ext cx="3064668" cy="489600"/>
       </dsp:txXfrm>
     </dsp:sp>
@@ -5031,8 +5320,8 @@
       </dsp:nvSpPr>
       <dsp:spPr>
         <a:xfrm>
-          <a:off x="3496865" y="550342"/>
-          <a:ext cx="3064668" cy="4239223"/>
+          <a:off x="3496865" y="696899"/>
+          <a:ext cx="3064668" cy="3946109"/>
         </a:xfrm>
         <a:prstGeom prst="rect">
           <a:avLst/>
@@ -5175,8 +5464,8 @@
         </a:p>
       </dsp:txBody>
       <dsp:txXfrm>
-        <a:off x="3496865" y="550342"/>
-        <a:ext cx="3064668" cy="4239223"/>
+        <a:off x="3496865" y="696899"/>
+        <a:ext cx="3064668" cy="3946109"/>
       </dsp:txXfrm>
     </dsp:sp>
     <dsp:sp modelId="{F932F6B4-2F29-41A5-B0A7-26D7AE38D369}">
@@ -5186,7 +5475,7 @@
       </dsp:nvSpPr>
       <dsp:spPr>
         <a:xfrm>
-          <a:off x="6990588" y="60742"/>
+          <a:off x="6990588" y="207299"/>
           <a:ext cx="3064668" cy="489600"/>
         </a:xfrm>
         <a:prstGeom prst="rect">
@@ -5254,7 +5543,7 @@
         </a:p>
       </dsp:txBody>
       <dsp:txXfrm>
-        <a:off x="6990588" y="60742"/>
+        <a:off x="6990588" y="207299"/>
         <a:ext cx="3064668" cy="489600"/>
       </dsp:txXfrm>
     </dsp:sp>
@@ -5265,8 +5554,8 @@
       </dsp:nvSpPr>
       <dsp:spPr>
         <a:xfrm>
-          <a:off x="6990588" y="550342"/>
-          <a:ext cx="3064668" cy="4239223"/>
+          <a:off x="6990588" y="696899"/>
+          <a:ext cx="3064668" cy="3946109"/>
         </a:xfrm>
         <a:prstGeom prst="rect">
           <a:avLst/>
@@ -5367,7 +5656,19 @@
             <a:rPr lang="en-US" sz="1700" kern="1200" dirty="0">
               <a:latin typeface="Arial Nova" panose="020B0504020202020204" pitchFamily="34" charset="0"/>
             </a:rPr>
-            <a:t> Anytime a bidder gets out-bid by another user, their funds are automatically returned to them.  This creates no need to return any funds to losers at the end of the auction.</a:t>
+            <a:t>All </a:t>
+          </a:r>
+          <a:r>
+            <a:rPr lang="en-US" sz="1700" kern="1200" dirty="0" err="1">
+              <a:latin typeface="Arial Nova" panose="020B0504020202020204" pitchFamily="34" charset="0"/>
+            </a:rPr>
+            <a:t>bidded</a:t>
+          </a:r>
+          <a:r>
+            <a:rPr lang="en-US" sz="1700" kern="1200" dirty="0">
+              <a:latin typeface="Arial Nova" panose="020B0504020202020204" pitchFamily="34" charset="0"/>
+            </a:rPr>
+            <a:t> funds will be returned to the losing bidders.</a:t>
           </a:r>
         </a:p>
         <a:p>
@@ -5409,8 +5710,8 @@
         </a:p>
       </dsp:txBody>
       <dsp:txXfrm>
-        <a:off x="6990588" y="550342"/>
-        <a:ext cx="3064668" cy="4239223"/>
+        <a:off x="6990588" y="696899"/>
+        <a:ext cx="3064668" cy="3946109"/>
       </dsp:txXfrm>
     </dsp:sp>
   </dsp:spTree>
@@ -10065,7 +10366,7 @@
           <a:p>
             <a:fld id="{EA0C0817-A112-4847-8014-A94B7D2A4EA3}" type="datetime1">
               <a:rPr lang="en-US" smtClean="0"/>
-              <a:t>3/12/2021</a:t>
+              <a:t>3/13/2021</a:t>
             </a:fld>
             <a:endParaRPr lang="en-US" dirty="0"/>
           </a:p>
@@ -10267,7 +10568,7 @@
           <a:p>
             <a:fld id="{7332B432-ACDA-4023-A761-2BAB76577B62}" type="datetime1">
               <a:rPr lang="en-US" smtClean="0"/>
-              <a:t>3/12/2021</a:t>
+              <a:t>3/13/2021</a:t>
             </a:fld>
             <a:endParaRPr lang="en-US" dirty="0"/>
           </a:p>
@@ -10866,7 +11167,7 @@
           <a:p>
             <a:fld id="{D9C646AA-F36E-4540-911D-FFFC0A0EF24A}" type="datetime1">
               <a:rPr lang="en-US" smtClean="0"/>
-              <a:t>3/12/2021</a:t>
+              <a:t>3/13/2021</a:t>
             </a:fld>
             <a:endParaRPr lang="en-US" dirty="0"/>
           </a:p>
@@ -11186,7 +11487,7 @@
           <a:p>
             <a:fld id="{69186D26-FA5F-4637-B602-B7C2DC34CFD4}" type="datetime1">
               <a:rPr lang="en-US" smtClean="0"/>
-              <a:t>3/12/2021</a:t>
+              <a:t>3/13/2021</a:t>
             </a:fld>
             <a:endParaRPr lang="en-US" dirty="0"/>
           </a:p>
@@ -11623,7 +11924,7 @@
           <a:p>
             <a:fld id="{8A7F15D8-96D1-4781-BC50-CA8A088B2FE4}" type="datetime1">
               <a:rPr lang="en-US" smtClean="0"/>
-              <a:t>3/12/2021</a:t>
+              <a:t>3/13/2021</a:t>
             </a:fld>
             <a:endParaRPr lang="en-US" dirty="0"/>
           </a:p>
@@ -11741,7 +12042,7 @@
           <a:p>
             <a:fld id="{F9A96C99-B8F8-4528-BD05-0E16E943DC09}" type="datetime1">
               <a:rPr lang="en-US" smtClean="0"/>
-              <a:t>3/12/2021</a:t>
+              <a:t>3/13/2021</a:t>
             </a:fld>
             <a:endParaRPr lang="en-US" dirty="0"/>
           </a:p>
@@ -11836,7 +12137,7 @@
           <a:p>
             <a:fld id="{03636942-C211-4B28-8DBD-C953E00AF71B}" type="datetime1">
               <a:rPr lang="en-US" smtClean="0"/>
-              <a:t>3/12/2021</a:t>
+              <a:t>3/13/2021</a:t>
             </a:fld>
             <a:endParaRPr lang="en-US" dirty="0"/>
           </a:p>
@@ -12253,7 +12554,7 @@
           <a:p>
             <a:fld id="{7E8D12A6-918A-48BD-8CB9-CA713993B0EA}" type="datetime1">
               <a:rPr lang="en-US" smtClean="0"/>
-              <a:t>3/12/2021</a:t>
+              <a:t>3/13/2021</a:t>
             </a:fld>
             <a:endParaRPr lang="en-US" dirty="0"/>
           </a:p>
@@ -12515,7 +12816,7 @@
             <a:fld id="{E778CE86-875F-4587-BCF6-FA054AFC0D53}" type="datetime1">
               <a:rPr lang="en-US" smtClean="0"/>
               <a:pPr/>
-              <a:t>3/12/2021</a:t>
+              <a:t>3/13/2021</a:t>
             </a:fld>
             <a:endParaRPr lang="en-US" dirty="0"/>
           </a:p>
@@ -13031,7 +13332,7 @@
           <a:p>
             <a:fld id="{F6FA2B21-3FCD-4721-B95C-427943F61125}" type="datetime1">
               <a:rPr lang="en-US" smtClean="0"/>
-              <a:t>3/12/2021</a:t>
+              <a:t>3/13/2021</a:t>
             </a:fld>
             <a:endParaRPr lang="en-US" dirty="0"/>
           </a:p>
@@ -13803,7 +14104,7 @@
             <p:ph idx="1"/>
             <p:extLst>
               <p:ext uri="{D42A27DB-BD31-4B8C-83A1-F6EECF244321}">
-                <p14:modId xmlns:p14="http://schemas.microsoft.com/office/powerpoint/2010/main" val="2365145315"/>
+                <p14:modId xmlns:p14="http://schemas.microsoft.com/office/powerpoint/2010/main" val="4037068159"/>
               </p:ext>
             </p:extLst>
           </p:nvPr>
@@ -13897,7 +14198,7 @@
             <p:ph idx="1"/>
             <p:extLst>
               <p:ext uri="{D42A27DB-BD31-4B8C-83A1-F6EECF244321}">
-                <p14:modId xmlns:p14="http://schemas.microsoft.com/office/powerpoint/2010/main" val="519770907"/>
+                <p14:modId xmlns:p14="http://schemas.microsoft.com/office/powerpoint/2010/main" val="1036377732"/>
               </p:ext>
             </p:extLst>
           </p:nvPr>
@@ -14061,7 +14362,7 @@
                 <a:latin typeface="Arial Nova" panose="020B0504020202020204" pitchFamily="34" charset="0"/>
                 <a:cs typeface="Arial" panose="020B0604020202020204" pitchFamily="34" charset="0"/>
               </a:rPr>
-              <a:t>The creator of the auction determines how many Tulips will be needed for the auction and both the Seller and the Bidder will have to escrow that amount of Tulips.</a:t>
+              <a:t>The creator of the auction determines how many Tulips will be needed for the auction and both the Seller and the Bidder will have to stake (escrow) that amount of Tulips.</a:t>
             </a:r>
           </a:p>
           <a:p>
@@ -14452,6 +14753,24 @@
 </file>
 
 <file path=customXml/item1.xml><?xml version="1.0" encoding="utf-8"?>
+<p:properties xmlns:p="http://schemas.microsoft.com/office/2006/metadata/properties" xmlns:xsi="http://www.w3.org/2001/XMLSchema-instance" xmlns:pc="http://schemas.microsoft.com/office/infopath/2007/PartnerControls">
+  <documentManagement>
+    <Status xmlns="71af3243-3dd4-4a8d-8c0d-dd76da1f02a5">Not started</Status>
+    <MediaServiceKeyPoints xmlns="71af3243-3dd4-4a8d-8c0d-dd76da1f02a5" xsi:nil="true"/>
+  </documentManagement>
+</p:properties>
+</file>
+
+<file path=customXml/item2.xml><?xml version="1.0" encoding="utf-8"?>
+<?mso-contentType ?>
+<FormTemplates xmlns="http://schemas.microsoft.com/sharepoint/v3/contenttype/forms">
+  <Display>DocumentLibraryForm</Display>
+  <Edit>DocumentLibraryForm</Edit>
+  <New>DocumentLibraryForm</New>
+</FormTemplates>
+</file>
+
+<file path=customXml/item3.xml><?xml version="1.0" encoding="utf-8"?>
 <ct:contentTypeSchema xmlns:ct="http://schemas.microsoft.com/office/2006/metadata/contentType" xmlns:ma="http://schemas.microsoft.com/office/2006/metadata/properties/metaAttributes" ct:_="" ma:_="" ma:contentTypeName="Document" ma:contentTypeID="0x01010079F111ED35F8CC479449609E8A0923A6" ma:contentTypeVersion="12" ma:contentTypeDescription="Create a new document." ma:contentTypeScope="" ma:versionID="a410dd7f93c95333ffa1b60ed6adedd1">
   <xsd:schema xmlns:xsd="http://www.w3.org/2001/XMLSchema" xmlns:xs="http://www.w3.org/2001/XMLSchema" xmlns:p="http://schemas.microsoft.com/office/2006/metadata/properties" xmlns:ns2="71af3243-3dd4-4a8d-8c0d-dd76da1f02a5" xmlns:ns3="16c05727-aa75-4e4a-9b5f-8a80a1165891" targetNamespace="http://schemas.microsoft.com/office/2006/metadata/properties" ma:root="true" ma:fieldsID="a936d9baba76aa3866493feff160faab" ns2:_="" ns3:_="">
     <xsd:import namespace="71af3243-3dd4-4a8d-8c0d-dd76da1f02a5"/>
@@ -14672,25 +14991,25 @@
 </ct:contentTypeSchema>
 </file>
 
-<file path=customXml/item2.xml><?xml version="1.0" encoding="utf-8"?>
-<?mso-contentType ?>
-<FormTemplates xmlns="http://schemas.microsoft.com/sharepoint/v3/contenttype/forms">
-  <Display>DocumentLibraryForm</Display>
-  <Edit>DocumentLibraryForm</Edit>
-  <New>DocumentLibraryForm</New>
-</FormTemplates>
+<file path=customXml/itemProps1.xml><?xml version="1.0" encoding="utf-8"?>
+<ds:datastoreItem xmlns:ds="http://schemas.openxmlformats.org/officeDocument/2006/customXml" ds:itemID="{137651BA-F45C-4845-9AB3-E0A65B39F5E1}">
+  <ds:schemaRefs>
+    <ds:schemaRef ds:uri="http://schemas.microsoft.com/office/2006/metadata/properties"/>
+    <ds:schemaRef ds:uri="http://schemas.microsoft.com/office/infopath/2007/PartnerControls"/>
+    <ds:schemaRef ds:uri="71af3243-3dd4-4a8d-8c0d-dd76da1f02a5"/>
+  </ds:schemaRefs>
+</ds:datastoreItem>
 </file>
 
-<file path=customXml/item3.xml><?xml version="1.0" encoding="utf-8"?>
-<p:properties xmlns:p="http://schemas.microsoft.com/office/2006/metadata/properties" xmlns:xsi="http://www.w3.org/2001/XMLSchema-instance" xmlns:pc="http://schemas.microsoft.com/office/infopath/2007/PartnerControls">
-  <documentManagement>
-    <Status xmlns="71af3243-3dd4-4a8d-8c0d-dd76da1f02a5">Not started</Status>
-    <MediaServiceKeyPoints xmlns="71af3243-3dd4-4a8d-8c0d-dd76da1f02a5" xsi:nil="true"/>
-  </documentManagement>
-</p:properties>
+<file path=customXml/itemProps2.xml><?xml version="1.0" encoding="utf-8"?>
+<ds:datastoreItem xmlns:ds="http://schemas.openxmlformats.org/officeDocument/2006/customXml" ds:itemID="{CDB58277-F8DF-46FF-84EC-EF41B835E69F}">
+  <ds:schemaRefs>
+    <ds:schemaRef ds:uri="http://schemas.microsoft.com/sharepoint/v3/contenttype/forms"/>
+  </ds:schemaRefs>
+</ds:datastoreItem>
 </file>
 
-<file path=customXml/itemProps1.xml><?xml version="1.0" encoding="utf-8"?>
+<file path=customXml/itemProps3.xml><?xml version="1.0" encoding="utf-8"?>
 <ds:datastoreItem xmlns:ds="http://schemas.openxmlformats.org/officeDocument/2006/customXml" ds:itemID="{2D276E62-80A3-44DD-9BCC-97ED2B99B57F}">
   <ds:schemaRefs>
     <ds:schemaRef ds:uri="http://schemas.microsoft.com/office/2006/metadata/contentType"/>
@@ -14707,22 +15026,4 @@
     <ds:schemaRef ds:uri="http://schemas.microsoft.com/internal/obd"/>
   </ds:schemaRefs>
 </ds:datastoreItem>
-</file>
-
-<file path=customXml/itemProps2.xml><?xml version="1.0" encoding="utf-8"?>
-<ds:datastoreItem xmlns:ds="http://schemas.openxmlformats.org/officeDocument/2006/customXml" ds:itemID="{CDB58277-F8DF-46FF-84EC-EF41B835E69F}">
-  <ds:schemaRefs>
-    <ds:schemaRef ds:uri="http://schemas.microsoft.com/sharepoint/v3/contenttype/forms"/>
-  </ds:schemaRefs>
-</ds:datastoreItem>
-</file>
-
-<file path=customXml/itemProps3.xml><?xml version="1.0" encoding="utf-8"?>
-<ds:datastoreItem xmlns:ds="http://schemas.openxmlformats.org/officeDocument/2006/customXml" ds:itemID="{137651BA-F45C-4845-9AB3-E0A65B39F5E1}">
-  <ds:schemaRefs>
-    <ds:schemaRef ds:uri="http://schemas.microsoft.com/office/2006/metadata/properties"/>
-    <ds:schemaRef ds:uri="http://schemas.microsoft.com/office/infopath/2007/PartnerControls"/>
-    <ds:schemaRef ds:uri="71af3243-3dd4-4a8d-8c0d-dd76da1f02a5"/>
-  </ds:schemaRefs>
-</ds:datastoreItem>
 </file>
--- a/presentation/Auction Block.pptx
+++ b/presentation/Auction Block.pptx
@@ -14287,13 +14287,13 @@
             <p:ph idx="1"/>
             <p:extLst>
               <p:ext uri="{D42A27DB-BD31-4B8C-83A1-F6EECF244321}">
-                <p14:modId xmlns:p14="http://schemas.microsoft.com/office/powerpoint/2010/main" val="1523159196"/>
+                <p14:modId xmlns:p14="http://schemas.microsoft.com/office/powerpoint/2010/main" val="2808900647"/>
               </p:ext>
             </p:extLst>
           </p:nvPr>
         </p:nvGraphicFramePr>
         <p:xfrm>
-          <a:off x="5209082" y="2014194"/>
+          <a:off x="5483901" y="2209285"/>
           <a:ext cx="5916118" cy="3777521"/>
         </p:xfrm>
         <a:graphic>
@@ -14753,24 +14753,6 @@
 </file>
 
 <file path=customXml/item1.xml><?xml version="1.0" encoding="utf-8"?>
-<p:properties xmlns:p="http://schemas.microsoft.com/office/2006/metadata/properties" xmlns:xsi="http://www.w3.org/2001/XMLSchema-instance" xmlns:pc="http://schemas.microsoft.com/office/infopath/2007/PartnerControls">
-  <documentManagement>
-    <Status xmlns="71af3243-3dd4-4a8d-8c0d-dd76da1f02a5">Not started</Status>
-    <MediaServiceKeyPoints xmlns="71af3243-3dd4-4a8d-8c0d-dd76da1f02a5" xsi:nil="true"/>
-  </documentManagement>
-</p:properties>
-</file>
-
-<file path=customXml/item2.xml><?xml version="1.0" encoding="utf-8"?>
-<?mso-contentType ?>
-<FormTemplates xmlns="http://schemas.microsoft.com/sharepoint/v3/contenttype/forms">
-  <Display>DocumentLibraryForm</Display>
-  <Edit>DocumentLibraryForm</Edit>
-  <New>DocumentLibraryForm</New>
-</FormTemplates>
-</file>
-
-<file path=customXml/item3.xml><?xml version="1.0" encoding="utf-8"?>
 <ct:contentTypeSchema xmlns:ct="http://schemas.microsoft.com/office/2006/metadata/contentType" xmlns:ma="http://schemas.microsoft.com/office/2006/metadata/properties/metaAttributes" ct:_="" ma:_="" ma:contentTypeName="Document" ma:contentTypeID="0x01010079F111ED35F8CC479449609E8A0923A6" ma:contentTypeVersion="12" ma:contentTypeDescription="Create a new document." ma:contentTypeScope="" ma:versionID="a410dd7f93c95333ffa1b60ed6adedd1">
   <xsd:schema xmlns:xsd="http://www.w3.org/2001/XMLSchema" xmlns:xs="http://www.w3.org/2001/XMLSchema" xmlns:p="http://schemas.microsoft.com/office/2006/metadata/properties" xmlns:ns2="71af3243-3dd4-4a8d-8c0d-dd76da1f02a5" xmlns:ns3="16c05727-aa75-4e4a-9b5f-8a80a1165891" targetNamespace="http://schemas.microsoft.com/office/2006/metadata/properties" ma:root="true" ma:fieldsID="a936d9baba76aa3866493feff160faab" ns2:_="" ns3:_="">
     <xsd:import namespace="71af3243-3dd4-4a8d-8c0d-dd76da1f02a5"/>
@@ -14991,25 +14973,25 @@
 </ct:contentTypeSchema>
 </file>
 
-<file path=customXml/itemProps1.xml><?xml version="1.0" encoding="utf-8"?>
-<ds:datastoreItem xmlns:ds="http://schemas.openxmlformats.org/officeDocument/2006/customXml" ds:itemID="{137651BA-F45C-4845-9AB3-E0A65B39F5E1}">
-  <ds:schemaRefs>
-    <ds:schemaRef ds:uri="http://schemas.microsoft.com/office/2006/metadata/properties"/>
-    <ds:schemaRef ds:uri="http://schemas.microsoft.com/office/infopath/2007/PartnerControls"/>
-    <ds:schemaRef ds:uri="71af3243-3dd4-4a8d-8c0d-dd76da1f02a5"/>
-  </ds:schemaRefs>
-</ds:datastoreItem>
+<file path=customXml/item2.xml><?xml version="1.0" encoding="utf-8"?>
+<?mso-contentType ?>
+<FormTemplates xmlns="http://schemas.microsoft.com/sharepoint/v3/contenttype/forms">
+  <Display>DocumentLibraryForm</Display>
+  <Edit>DocumentLibraryForm</Edit>
+  <New>DocumentLibraryForm</New>
+</FormTemplates>
 </file>
 
-<file path=customXml/itemProps2.xml><?xml version="1.0" encoding="utf-8"?>
-<ds:datastoreItem xmlns:ds="http://schemas.openxmlformats.org/officeDocument/2006/customXml" ds:itemID="{CDB58277-F8DF-46FF-84EC-EF41B835E69F}">
-  <ds:schemaRefs>
-    <ds:schemaRef ds:uri="http://schemas.microsoft.com/sharepoint/v3/contenttype/forms"/>
-  </ds:schemaRefs>
-</ds:datastoreItem>
+<file path=customXml/item3.xml><?xml version="1.0" encoding="utf-8"?>
+<p:properties xmlns:p="http://schemas.microsoft.com/office/2006/metadata/properties" xmlns:xsi="http://www.w3.org/2001/XMLSchema-instance" xmlns:pc="http://schemas.microsoft.com/office/infopath/2007/PartnerControls">
+  <documentManagement>
+    <Status xmlns="71af3243-3dd4-4a8d-8c0d-dd76da1f02a5">Not started</Status>
+    <MediaServiceKeyPoints xmlns="71af3243-3dd4-4a8d-8c0d-dd76da1f02a5" xsi:nil="true"/>
+  </documentManagement>
+</p:properties>
 </file>
 
-<file path=customXml/itemProps3.xml><?xml version="1.0" encoding="utf-8"?>
+<file path=customXml/itemProps1.xml><?xml version="1.0" encoding="utf-8"?>
 <ds:datastoreItem xmlns:ds="http://schemas.openxmlformats.org/officeDocument/2006/customXml" ds:itemID="{2D276E62-80A3-44DD-9BCC-97ED2B99B57F}">
   <ds:schemaRefs>
     <ds:schemaRef ds:uri="http://schemas.microsoft.com/office/2006/metadata/contentType"/>
@@ -15026,4 +15008,22 @@
     <ds:schemaRef ds:uri="http://schemas.microsoft.com/internal/obd"/>
   </ds:schemaRefs>
 </ds:datastoreItem>
+</file>
+
+<file path=customXml/itemProps2.xml><?xml version="1.0" encoding="utf-8"?>
+<ds:datastoreItem xmlns:ds="http://schemas.openxmlformats.org/officeDocument/2006/customXml" ds:itemID="{CDB58277-F8DF-46FF-84EC-EF41B835E69F}">
+  <ds:schemaRefs>
+    <ds:schemaRef ds:uri="http://schemas.microsoft.com/sharepoint/v3/contenttype/forms"/>
+  </ds:schemaRefs>
+</ds:datastoreItem>
+</file>
+
+<file path=customXml/itemProps3.xml><?xml version="1.0" encoding="utf-8"?>
+<ds:datastoreItem xmlns:ds="http://schemas.openxmlformats.org/officeDocument/2006/customXml" ds:itemID="{137651BA-F45C-4845-9AB3-E0A65B39F5E1}">
+  <ds:schemaRefs>
+    <ds:schemaRef ds:uri="http://schemas.microsoft.com/office/2006/metadata/properties"/>
+    <ds:schemaRef ds:uri="http://schemas.microsoft.com/office/infopath/2007/PartnerControls"/>
+    <ds:schemaRef ds:uri="71af3243-3dd4-4a8d-8c0d-dd76da1f02a5"/>
+  </ds:schemaRefs>
+</ds:datastoreItem>
 </file>